--- a/texts/クラス練習.pptx
+++ b/texts/クラス練習.pptx
@@ -2941,6 +2941,13 @@
         </dgm:presLayoutVars>
       </dgm:prSet>
       <dgm:spPr/>
+      <dgm:t>
+        <a:bodyPr/>
+        <a:lstStyle/>
+        <a:p>
+          <a:endParaRPr kumimoji="1" lang="ja-JP" altLang="en-US"/>
+        </a:p>
+      </dgm:t>
     </dgm:pt>
     <dgm:pt modelId="{8961F9C8-EDED-479A-A9A7-BEDC8AD28C0A}" type="pres">
       <dgm:prSet presAssocID="{BC35EF81-3B20-4BF7-B186-A8BDDFE3AD51}" presName="dummyMaxCanvas" presStyleCnt="0">
@@ -2955,6 +2962,13 @@
         </dgm:presLayoutVars>
       </dgm:prSet>
       <dgm:spPr/>
+      <dgm:t>
+        <a:bodyPr/>
+        <a:lstStyle/>
+        <a:p>
+          <a:endParaRPr kumimoji="1" lang="ja-JP" altLang="en-US"/>
+        </a:p>
+      </dgm:t>
     </dgm:pt>
     <dgm:pt modelId="{756AECEE-A374-4F1E-A54B-6F44DFFFFDE2}" type="pres">
       <dgm:prSet presAssocID="{BC35EF81-3B20-4BF7-B186-A8BDDFE3AD51}" presName="FiveNodes_2" presStyleLbl="node1" presStyleIdx="1" presStyleCnt="5">
@@ -3023,6 +3037,13 @@
         </dgm:presLayoutVars>
       </dgm:prSet>
       <dgm:spPr/>
+      <dgm:t>
+        <a:bodyPr/>
+        <a:lstStyle/>
+        <a:p>
+          <a:endParaRPr kumimoji="1" lang="ja-JP" altLang="en-US"/>
+        </a:p>
+      </dgm:t>
     </dgm:pt>
     <dgm:pt modelId="{C00F53EE-3062-4C34-B23C-31DA2AD36E25}" type="pres">
       <dgm:prSet presAssocID="{BC35EF81-3B20-4BF7-B186-A8BDDFE3AD51}" presName="FiveConn_2-3" presStyleLbl="fgAccFollowNode1" presStyleIdx="1" presStyleCnt="4">
@@ -3031,6 +3052,13 @@
         </dgm:presLayoutVars>
       </dgm:prSet>
       <dgm:spPr/>
+      <dgm:t>
+        <a:bodyPr/>
+        <a:lstStyle/>
+        <a:p>
+          <a:endParaRPr kumimoji="1" lang="ja-JP" altLang="en-US"/>
+        </a:p>
+      </dgm:t>
     </dgm:pt>
     <dgm:pt modelId="{214D87D5-A859-4E7D-B4AC-2F2A14E327A1}" type="pres">
       <dgm:prSet presAssocID="{BC35EF81-3B20-4BF7-B186-A8BDDFE3AD51}" presName="FiveConn_3-4" presStyleLbl="fgAccFollowNode1" presStyleIdx="2" presStyleCnt="4">
@@ -3039,6 +3067,13 @@
         </dgm:presLayoutVars>
       </dgm:prSet>
       <dgm:spPr/>
+      <dgm:t>
+        <a:bodyPr/>
+        <a:lstStyle/>
+        <a:p>
+          <a:endParaRPr kumimoji="1" lang="ja-JP" altLang="en-US"/>
+        </a:p>
+      </dgm:t>
     </dgm:pt>
     <dgm:pt modelId="{7B1A574C-CFF9-4D06-95FA-C41A8DC3FAC6}" type="pres">
       <dgm:prSet presAssocID="{BC35EF81-3B20-4BF7-B186-A8BDDFE3AD51}" presName="FiveConn_4-5" presStyleLbl="fgAccFollowNode1" presStyleIdx="3" presStyleCnt="4">
@@ -3047,6 +3082,13 @@
         </dgm:presLayoutVars>
       </dgm:prSet>
       <dgm:spPr/>
+      <dgm:t>
+        <a:bodyPr/>
+        <a:lstStyle/>
+        <a:p>
+          <a:endParaRPr kumimoji="1" lang="ja-JP" altLang="en-US"/>
+        </a:p>
+      </dgm:t>
     </dgm:pt>
     <dgm:pt modelId="{18E914BE-61CF-4F13-A394-D8BDD162E208}" type="pres">
       <dgm:prSet presAssocID="{BC35EF81-3B20-4BF7-B186-A8BDDFE3AD51}" presName="FiveNodes_1_text" presStyleLbl="node1" presStyleIdx="4" presStyleCnt="5">
@@ -3055,6 +3097,13 @@
         </dgm:presLayoutVars>
       </dgm:prSet>
       <dgm:spPr/>
+      <dgm:t>
+        <a:bodyPr/>
+        <a:lstStyle/>
+        <a:p>
+          <a:endParaRPr kumimoji="1" lang="ja-JP" altLang="en-US"/>
+        </a:p>
+      </dgm:t>
     </dgm:pt>
     <dgm:pt modelId="{2343CE53-B68D-4EB3-9EDA-FB626AE4C4BC}" type="pres">
       <dgm:prSet presAssocID="{BC35EF81-3B20-4BF7-B186-A8BDDFE3AD51}" presName="FiveNodes_2_text" presStyleLbl="node1" presStyleIdx="4" presStyleCnt="5">
@@ -3118,26 +3167,26 @@
     </dgm:pt>
   </dgm:ptLst>
   <dgm:cxnLst>
+    <dgm:cxn modelId="{74C0A88D-29D7-4469-AEF0-CC5FBCD310D2}" type="presOf" srcId="{D1D48DD7-7D32-47B8-B8C9-708AB2B68CB5}" destId="{861314D3-AAF8-4E9B-9485-50535CCE4A92}" srcOrd="0" destOrd="0" presId="urn:microsoft.com/office/officeart/2005/8/layout/vProcess5"/>
+    <dgm:cxn modelId="{A3919D07-476B-463F-83CA-8779546B25D9}" type="presOf" srcId="{87430739-A68D-4530-BBE3-D50664411AD9}" destId="{61C4D8CC-A14F-4E65-90AE-6DA57217DCE4}" srcOrd="1" destOrd="0" presId="urn:microsoft.com/office/officeart/2005/8/layout/vProcess5"/>
+    <dgm:cxn modelId="{4C003F71-064F-4972-BE4A-91B31696B443}" type="presOf" srcId="{413D07EF-C472-4EFF-BB0C-F28D5AB561DA}" destId="{2343CE53-B68D-4EB3-9EDA-FB626AE4C4BC}" srcOrd="1" destOrd="0" presId="urn:microsoft.com/office/officeart/2005/8/layout/vProcess5"/>
+    <dgm:cxn modelId="{95000A46-7E43-4235-85BB-548DA8773ABF}" type="presOf" srcId="{BC35EF81-3B20-4BF7-B186-A8BDDFE3AD51}" destId="{B43DAA36-3A69-43AB-B7C1-0A1E0F0147D0}" srcOrd="0" destOrd="0" presId="urn:microsoft.com/office/officeart/2005/8/layout/vProcess5"/>
+    <dgm:cxn modelId="{C2AC3456-2C6A-450E-91F2-DA4F0CFB8731}" type="presOf" srcId="{3FAB194D-3B58-4FE4-BDA2-03038E47CF19}" destId="{B5FDFA73-AE50-4DF2-915D-BD7A0A610E1B}" srcOrd="0" destOrd="0" presId="urn:microsoft.com/office/officeart/2005/8/layout/vProcess5"/>
+    <dgm:cxn modelId="{CCC4A452-2ABC-4527-B3AB-308370329F96}" type="presOf" srcId="{356407E4-0A3B-4B90-977D-E77F3610A7DC}" destId="{7B1A574C-CFF9-4D06-95FA-C41A8DC3FAC6}" srcOrd="0" destOrd="0" presId="urn:microsoft.com/office/officeart/2005/8/layout/vProcess5"/>
+    <dgm:cxn modelId="{8E3D6E9B-5CEB-4F7B-91D2-9A8D58A655E3}" type="presOf" srcId="{AF9B6831-DE10-4367-9F6E-0D2F63E33F22}" destId="{62B990A6-8F0F-4807-B975-660A025D13FD}" srcOrd="0" destOrd="0" presId="urn:microsoft.com/office/officeart/2005/8/layout/vProcess5"/>
+    <dgm:cxn modelId="{A75B00E5-6559-4CF9-BFFA-6EA424CEB1D0}" type="presOf" srcId="{87430739-A68D-4530-BBE3-D50664411AD9}" destId="{E0962F9A-FB96-45A9-8947-C5552F966650}" srcOrd="0" destOrd="0" presId="urn:microsoft.com/office/officeart/2005/8/layout/vProcess5"/>
     <dgm:cxn modelId="{E3C9EB83-FAE6-4D08-AD0C-684A17E1B9BD}" srcId="{BC35EF81-3B20-4BF7-B186-A8BDDFE3AD51}" destId="{413D07EF-C472-4EFF-BB0C-F28D5AB561DA}" srcOrd="1" destOrd="0" parTransId="{4CBFE15C-6C1F-4756-8FF3-4F1ACA81D8B2}" sibTransId="{0B25BBFA-E065-473B-8D36-B5AA0821B7CD}"/>
+    <dgm:cxn modelId="{8B19915F-064C-4D79-8353-2700D7F503DC}" srcId="{BC35EF81-3B20-4BF7-B186-A8BDDFE3AD51}" destId="{D1D48DD7-7D32-47B8-B8C9-708AB2B68CB5}" srcOrd="4" destOrd="0" parTransId="{F6CFA16E-AD3C-4E26-9D3A-BDDE6965E66D}" sibTransId="{B553F30A-AB9F-441E-86DD-E792B012FBCA}"/>
+    <dgm:cxn modelId="{17754318-8C60-40F6-A3E8-235A44C4B570}" srcId="{BC35EF81-3B20-4BF7-B186-A8BDDFE3AD51}" destId="{3FAB194D-3B58-4FE4-BDA2-03038E47CF19}" srcOrd="0" destOrd="0" parTransId="{59E9EAAC-FD32-4EDE-B1ED-CA758A7FA9A3}" sibTransId="{AF9B6831-DE10-4367-9F6E-0D2F63E33F22}"/>
+    <dgm:cxn modelId="{DD708FB6-22BA-4B55-B1ED-A053B892B69B}" type="presOf" srcId="{3ED2381E-FF0B-43DE-BBE3-1CAB0327E61F}" destId="{214D87D5-A859-4E7D-B4AC-2F2A14E327A1}" srcOrd="0" destOrd="0" presId="urn:microsoft.com/office/officeart/2005/8/layout/vProcess5"/>
     <dgm:cxn modelId="{0DC02EFB-3AB8-4056-B646-868E6C17136E}" type="presOf" srcId="{3FAB194D-3B58-4FE4-BDA2-03038E47CF19}" destId="{18E914BE-61CF-4F13-A394-D8BDD162E208}" srcOrd="1" destOrd="0" presId="urn:microsoft.com/office/officeart/2005/8/layout/vProcess5"/>
+    <dgm:cxn modelId="{A818AF52-74D2-484B-82AE-91B6B8FE3676}" type="presOf" srcId="{F571BE13-D516-4936-A2B3-C10734BA3218}" destId="{0711587F-3E79-4A5E-8CFC-F952671D662F}" srcOrd="1" destOrd="0" presId="urn:microsoft.com/office/officeart/2005/8/layout/vProcess5"/>
+    <dgm:cxn modelId="{FEE5A72B-2D4C-4890-9804-DDBBD5088ECD}" type="presOf" srcId="{F571BE13-D516-4936-A2B3-C10734BA3218}" destId="{75CDB171-09E8-4F9C-B081-0D36910D5DF3}" srcOrd="0" destOrd="0" presId="urn:microsoft.com/office/officeart/2005/8/layout/vProcess5"/>
+    <dgm:cxn modelId="{24C0F88C-CEED-4C14-9632-8D6A74289CCD}" srcId="{BC35EF81-3B20-4BF7-B186-A8BDDFE3AD51}" destId="{F571BE13-D516-4936-A2B3-C10734BA3218}" srcOrd="3" destOrd="0" parTransId="{DD0B7325-7301-4EDF-9CCE-947600721EFD}" sibTransId="{356407E4-0A3B-4B90-977D-E77F3610A7DC}"/>
+    <dgm:cxn modelId="{1024C1F6-A06A-4EB2-AFDA-5BEA64AFC68B}" srcId="{BC35EF81-3B20-4BF7-B186-A8BDDFE3AD51}" destId="{87430739-A68D-4530-BBE3-D50664411AD9}" srcOrd="2" destOrd="0" parTransId="{741CDDD8-557C-4440-B6EC-E84002119B6D}" sibTransId="{3ED2381E-FF0B-43DE-BBE3-1CAB0327E61F}"/>
+    <dgm:cxn modelId="{7425AE7F-63FC-4380-8A61-C54E0A5DE800}" type="presOf" srcId="{D1D48DD7-7D32-47B8-B8C9-708AB2B68CB5}" destId="{672191A0-0A41-43AE-AFCB-FB9EB55807D8}" srcOrd="1" destOrd="0" presId="urn:microsoft.com/office/officeart/2005/8/layout/vProcess5"/>
     <dgm:cxn modelId="{99916425-EDA6-4F26-9C1C-56044781145B}" type="presOf" srcId="{0B25BBFA-E065-473B-8D36-B5AA0821B7CD}" destId="{C00F53EE-3062-4C34-B23C-31DA2AD36E25}" srcOrd="0" destOrd="0" presId="urn:microsoft.com/office/officeart/2005/8/layout/vProcess5"/>
-    <dgm:cxn modelId="{8E3D6E9B-5CEB-4F7B-91D2-9A8D58A655E3}" type="presOf" srcId="{AF9B6831-DE10-4367-9F6E-0D2F63E33F22}" destId="{62B990A6-8F0F-4807-B975-660A025D13FD}" srcOrd="0" destOrd="0" presId="urn:microsoft.com/office/officeart/2005/8/layout/vProcess5"/>
-    <dgm:cxn modelId="{A818AF52-74D2-484B-82AE-91B6B8FE3676}" type="presOf" srcId="{F571BE13-D516-4936-A2B3-C10734BA3218}" destId="{0711587F-3E79-4A5E-8CFC-F952671D662F}" srcOrd="1" destOrd="0" presId="urn:microsoft.com/office/officeart/2005/8/layout/vProcess5"/>
-    <dgm:cxn modelId="{CCC4A452-2ABC-4527-B3AB-308370329F96}" type="presOf" srcId="{356407E4-0A3B-4B90-977D-E77F3610A7DC}" destId="{7B1A574C-CFF9-4D06-95FA-C41A8DC3FAC6}" srcOrd="0" destOrd="0" presId="urn:microsoft.com/office/officeart/2005/8/layout/vProcess5"/>
-    <dgm:cxn modelId="{DD708FB6-22BA-4B55-B1ED-A053B892B69B}" type="presOf" srcId="{3ED2381E-FF0B-43DE-BBE3-1CAB0327E61F}" destId="{214D87D5-A859-4E7D-B4AC-2F2A14E327A1}" srcOrd="0" destOrd="0" presId="urn:microsoft.com/office/officeart/2005/8/layout/vProcess5"/>
-    <dgm:cxn modelId="{C2AC3456-2C6A-450E-91F2-DA4F0CFB8731}" type="presOf" srcId="{3FAB194D-3B58-4FE4-BDA2-03038E47CF19}" destId="{B5FDFA73-AE50-4DF2-915D-BD7A0A610E1B}" srcOrd="0" destOrd="0" presId="urn:microsoft.com/office/officeart/2005/8/layout/vProcess5"/>
-    <dgm:cxn modelId="{A3919D07-476B-463F-83CA-8779546B25D9}" type="presOf" srcId="{87430739-A68D-4530-BBE3-D50664411AD9}" destId="{61C4D8CC-A14F-4E65-90AE-6DA57217DCE4}" srcOrd="1" destOrd="0" presId="urn:microsoft.com/office/officeart/2005/8/layout/vProcess5"/>
-    <dgm:cxn modelId="{A75B00E5-6559-4CF9-BFFA-6EA424CEB1D0}" type="presOf" srcId="{87430739-A68D-4530-BBE3-D50664411AD9}" destId="{E0962F9A-FB96-45A9-8947-C5552F966650}" srcOrd="0" destOrd="0" presId="urn:microsoft.com/office/officeart/2005/8/layout/vProcess5"/>
-    <dgm:cxn modelId="{7425AE7F-63FC-4380-8A61-C54E0A5DE800}" type="presOf" srcId="{D1D48DD7-7D32-47B8-B8C9-708AB2B68CB5}" destId="{672191A0-0A41-43AE-AFCB-FB9EB55807D8}" srcOrd="1" destOrd="0" presId="urn:microsoft.com/office/officeart/2005/8/layout/vProcess5"/>
     <dgm:cxn modelId="{1BA81BD9-EC59-4391-8C5E-E1472BE5E185}" type="presOf" srcId="{413D07EF-C472-4EFF-BB0C-F28D5AB561DA}" destId="{756AECEE-A374-4F1E-A54B-6F44DFFFFDE2}" srcOrd="0" destOrd="0" presId="urn:microsoft.com/office/officeart/2005/8/layout/vProcess5"/>
-    <dgm:cxn modelId="{74C0A88D-29D7-4469-AEF0-CC5FBCD310D2}" type="presOf" srcId="{D1D48DD7-7D32-47B8-B8C9-708AB2B68CB5}" destId="{861314D3-AAF8-4E9B-9485-50535CCE4A92}" srcOrd="0" destOrd="0" presId="urn:microsoft.com/office/officeart/2005/8/layout/vProcess5"/>
-    <dgm:cxn modelId="{17754318-8C60-40F6-A3E8-235A44C4B570}" srcId="{BC35EF81-3B20-4BF7-B186-A8BDDFE3AD51}" destId="{3FAB194D-3B58-4FE4-BDA2-03038E47CF19}" srcOrd="0" destOrd="0" parTransId="{59E9EAAC-FD32-4EDE-B1ED-CA758A7FA9A3}" sibTransId="{AF9B6831-DE10-4367-9F6E-0D2F63E33F22}"/>
-    <dgm:cxn modelId="{24C0F88C-CEED-4C14-9632-8D6A74289CCD}" srcId="{BC35EF81-3B20-4BF7-B186-A8BDDFE3AD51}" destId="{F571BE13-D516-4936-A2B3-C10734BA3218}" srcOrd="3" destOrd="0" parTransId="{DD0B7325-7301-4EDF-9CCE-947600721EFD}" sibTransId="{356407E4-0A3B-4B90-977D-E77F3610A7DC}"/>
-    <dgm:cxn modelId="{95000A46-7E43-4235-85BB-548DA8773ABF}" type="presOf" srcId="{BC35EF81-3B20-4BF7-B186-A8BDDFE3AD51}" destId="{B43DAA36-3A69-43AB-B7C1-0A1E0F0147D0}" srcOrd="0" destOrd="0" presId="urn:microsoft.com/office/officeart/2005/8/layout/vProcess5"/>
-    <dgm:cxn modelId="{8B19915F-064C-4D79-8353-2700D7F503DC}" srcId="{BC35EF81-3B20-4BF7-B186-A8BDDFE3AD51}" destId="{D1D48DD7-7D32-47B8-B8C9-708AB2B68CB5}" srcOrd="4" destOrd="0" parTransId="{F6CFA16E-AD3C-4E26-9D3A-BDDE6965E66D}" sibTransId="{B553F30A-AB9F-441E-86DD-E792B012FBCA}"/>
-    <dgm:cxn modelId="{4C003F71-064F-4972-BE4A-91B31696B443}" type="presOf" srcId="{413D07EF-C472-4EFF-BB0C-F28D5AB561DA}" destId="{2343CE53-B68D-4EB3-9EDA-FB626AE4C4BC}" srcOrd="1" destOrd="0" presId="urn:microsoft.com/office/officeart/2005/8/layout/vProcess5"/>
-    <dgm:cxn modelId="{FEE5A72B-2D4C-4890-9804-DDBBD5088ECD}" type="presOf" srcId="{F571BE13-D516-4936-A2B3-C10734BA3218}" destId="{75CDB171-09E8-4F9C-B081-0D36910D5DF3}" srcOrd="0" destOrd="0" presId="urn:microsoft.com/office/officeart/2005/8/layout/vProcess5"/>
-    <dgm:cxn modelId="{1024C1F6-A06A-4EB2-AFDA-5BEA64AFC68B}" srcId="{BC35EF81-3B20-4BF7-B186-A8BDDFE3AD51}" destId="{87430739-A68D-4530-BBE3-D50664411AD9}" srcOrd="2" destOrd="0" parTransId="{741CDDD8-557C-4440-B6EC-E84002119B6D}" sibTransId="{3ED2381E-FF0B-43DE-BBE3-1CAB0327E61F}"/>
     <dgm:cxn modelId="{CC5C9338-EE34-4D56-9D07-B510705C1C55}" type="presParOf" srcId="{B43DAA36-3A69-43AB-B7C1-0A1E0F0147D0}" destId="{8961F9C8-EDED-479A-A9A7-BEDC8AD28C0A}" srcOrd="0" destOrd="0" presId="urn:microsoft.com/office/officeart/2005/8/layout/vProcess5"/>
     <dgm:cxn modelId="{51587E3D-B0A0-4468-9F59-BB1F79D9712B}" type="presParOf" srcId="{B43DAA36-3A69-43AB-B7C1-0A1E0F0147D0}" destId="{B5FDFA73-AE50-4DF2-915D-BD7A0A610E1B}" srcOrd="1" destOrd="0" presId="urn:microsoft.com/office/officeart/2005/8/layout/vProcess5"/>
     <dgm:cxn modelId="{EB296AF6-E03E-49EE-841C-88183388A7C8}" type="presParOf" srcId="{B43DAA36-3A69-43AB-B7C1-0A1E0F0147D0}" destId="{756AECEE-A374-4F1E-A54B-6F44DFFFFDE2}" srcOrd="2" destOrd="0" presId="urn:microsoft.com/office/officeart/2005/8/layout/vProcess5"/>
@@ -3313,6 +3362,13 @@
         </dgm:presLayoutVars>
       </dgm:prSet>
       <dgm:spPr/>
+      <dgm:t>
+        <a:bodyPr/>
+        <a:lstStyle/>
+        <a:p>
+          <a:endParaRPr kumimoji="1" lang="ja-JP" altLang="en-US"/>
+        </a:p>
+      </dgm:t>
     </dgm:pt>
     <dgm:pt modelId="{FC0B9D9E-5069-45DA-AA47-6CE41058C3E2}" type="pres">
       <dgm:prSet presAssocID="{F28DB1A8-728C-4567-BA12-C6EC9C7278A3}" presName="dummyMaxCanvas" presStyleCnt="0">
@@ -3342,6 +3398,13 @@
         </dgm:presLayoutVars>
       </dgm:prSet>
       <dgm:spPr/>
+      <dgm:t>
+        <a:bodyPr/>
+        <a:lstStyle/>
+        <a:p>
+          <a:endParaRPr kumimoji="1" lang="ja-JP" altLang="en-US"/>
+        </a:p>
+      </dgm:t>
     </dgm:pt>
     <dgm:pt modelId="{EC714181-BF3A-49DD-877F-8E06AD0503E7}" type="pres">
       <dgm:prSet presAssocID="{F28DB1A8-728C-4567-BA12-C6EC9C7278A3}" presName="TwoConn_1-2" presStyleLbl="fgAccFollowNode1" presStyleIdx="0" presStyleCnt="1" custLinFactNeighborX="13118" custLinFactNeighborY="2978">
@@ -3350,6 +3413,13 @@
         </dgm:presLayoutVars>
       </dgm:prSet>
       <dgm:spPr/>
+      <dgm:t>
+        <a:bodyPr/>
+        <a:lstStyle/>
+        <a:p>
+          <a:endParaRPr kumimoji="1" lang="ja-JP" altLang="en-US"/>
+        </a:p>
+      </dgm:t>
     </dgm:pt>
     <dgm:pt modelId="{C47C3248-2C36-4D44-853F-9F338A8433A1}" type="pres">
       <dgm:prSet presAssocID="{F28DB1A8-728C-4567-BA12-C6EC9C7278A3}" presName="TwoNodes_1_text" presStyleLbl="node1" presStyleIdx="1" presStyleCnt="2">
@@ -3373,19 +3443,26 @@
         </dgm:presLayoutVars>
       </dgm:prSet>
       <dgm:spPr/>
+      <dgm:t>
+        <a:bodyPr/>
+        <a:lstStyle/>
+        <a:p>
+          <a:endParaRPr kumimoji="1" lang="ja-JP" altLang="en-US"/>
+        </a:p>
+      </dgm:t>
     </dgm:pt>
   </dgm:ptLst>
   <dgm:cxnLst>
-    <dgm:cxn modelId="{B179A3F5-DC5F-4A2C-97A1-B8303FCD07D4}" type="presOf" srcId="{B9021FEE-B5DE-4992-9449-E4F570BF12F0}" destId="{EC714181-BF3A-49DD-877F-8E06AD0503E7}" srcOrd="0" destOrd="0" presId="urn:microsoft.com/office/officeart/2005/8/layout/vProcess5"/>
-    <dgm:cxn modelId="{A2F50731-0488-4F2C-8EF4-55D28EF709D1}" srcId="{5C29D779-8E94-4F0A-97DA-8F18B18AAB39}" destId="{0ECC0D1C-24D2-41C8-A0C0-44B487757172}" srcOrd="0" destOrd="0" parTransId="{52DD2F74-A7B2-4798-AED8-FCFE081796BA}" sibTransId="{6D29C04A-DDAB-474D-B606-7FD37F4A11F9}"/>
-    <dgm:cxn modelId="{3A70B3FD-7C06-4029-92A5-0282BAA6AF7C}" type="presOf" srcId="{5C29D779-8E94-4F0A-97DA-8F18B18AAB39}" destId="{2288770F-078F-4E4A-8B3B-388035FAF399}" srcOrd="0" destOrd="0" presId="urn:microsoft.com/office/officeart/2005/8/layout/vProcess5"/>
     <dgm:cxn modelId="{7252F8BB-48E1-4A08-A2C1-A6AFE667F0B7}" srcId="{F28DB1A8-728C-4567-BA12-C6EC9C7278A3}" destId="{5C29D779-8E94-4F0A-97DA-8F18B18AAB39}" srcOrd="0" destOrd="0" parTransId="{10A6A30B-8F2F-417E-B157-AB187B8761A0}" sibTransId="{B9021FEE-B5DE-4992-9449-E4F570BF12F0}"/>
-    <dgm:cxn modelId="{5489F47D-26D6-4C23-83BC-98C0316F4ED2}" type="presOf" srcId="{5C29D779-8E94-4F0A-97DA-8F18B18AAB39}" destId="{C47C3248-2C36-4D44-853F-9F338A8433A1}" srcOrd="1" destOrd="0" presId="urn:microsoft.com/office/officeart/2005/8/layout/vProcess5"/>
     <dgm:cxn modelId="{E50375A8-CDEF-41E4-BC80-8AAA44BAECC8}" type="presOf" srcId="{0ECC0D1C-24D2-41C8-A0C0-44B487757172}" destId="{C47C3248-2C36-4D44-853F-9F338A8433A1}" srcOrd="1" destOrd="1" presId="urn:microsoft.com/office/officeart/2005/8/layout/vProcess5"/>
     <dgm:cxn modelId="{97512050-5442-46E1-868B-75F16BDD35E8}" type="presOf" srcId="{576F2C40-5242-4AE7-B61B-70D3666259B6}" destId="{2B5A4D94-21D3-4E6A-9610-DD921369E60E}" srcOrd="0" destOrd="0" presId="urn:microsoft.com/office/officeart/2005/8/layout/vProcess5"/>
+    <dgm:cxn modelId="{5489F47D-26D6-4C23-83BC-98C0316F4ED2}" type="presOf" srcId="{5C29D779-8E94-4F0A-97DA-8F18B18AAB39}" destId="{C47C3248-2C36-4D44-853F-9F338A8433A1}" srcOrd="1" destOrd="0" presId="urn:microsoft.com/office/officeart/2005/8/layout/vProcess5"/>
+    <dgm:cxn modelId="{003F652C-F74B-4D26-9E3F-6492B1BC37B7}" type="presOf" srcId="{576F2C40-5242-4AE7-B61B-70D3666259B6}" destId="{58068F7A-CE48-45E7-8AB4-E279C0857122}" srcOrd="1" destOrd="0" presId="urn:microsoft.com/office/officeart/2005/8/layout/vProcess5"/>
+    <dgm:cxn modelId="{3A70B3FD-7C06-4029-92A5-0282BAA6AF7C}" type="presOf" srcId="{5C29D779-8E94-4F0A-97DA-8F18B18AAB39}" destId="{2288770F-078F-4E4A-8B3B-388035FAF399}" srcOrd="0" destOrd="0" presId="urn:microsoft.com/office/officeart/2005/8/layout/vProcess5"/>
+    <dgm:cxn modelId="{A2F50731-0488-4F2C-8EF4-55D28EF709D1}" srcId="{5C29D779-8E94-4F0A-97DA-8F18B18AAB39}" destId="{0ECC0D1C-24D2-41C8-A0C0-44B487757172}" srcOrd="0" destOrd="0" parTransId="{52DD2F74-A7B2-4798-AED8-FCFE081796BA}" sibTransId="{6D29C04A-DDAB-474D-B606-7FD37F4A11F9}"/>
+    <dgm:cxn modelId="{2F0082F6-722F-4B22-AEAA-64A8E4500B83}" type="presOf" srcId="{F28DB1A8-728C-4567-BA12-C6EC9C7278A3}" destId="{2E8B78D1-D27F-4E6D-922D-F6336964425A}" srcOrd="0" destOrd="0" presId="urn:microsoft.com/office/officeart/2005/8/layout/vProcess5"/>
     <dgm:cxn modelId="{546A0A90-195A-4AAF-A3C7-F174BAA3617F}" type="presOf" srcId="{0ECC0D1C-24D2-41C8-A0C0-44B487757172}" destId="{2288770F-078F-4E4A-8B3B-388035FAF399}" srcOrd="0" destOrd="1" presId="urn:microsoft.com/office/officeart/2005/8/layout/vProcess5"/>
-    <dgm:cxn modelId="{003F652C-F74B-4D26-9E3F-6492B1BC37B7}" type="presOf" srcId="{576F2C40-5242-4AE7-B61B-70D3666259B6}" destId="{58068F7A-CE48-45E7-8AB4-E279C0857122}" srcOrd="1" destOrd="0" presId="urn:microsoft.com/office/officeart/2005/8/layout/vProcess5"/>
-    <dgm:cxn modelId="{2F0082F6-722F-4B22-AEAA-64A8E4500B83}" type="presOf" srcId="{F28DB1A8-728C-4567-BA12-C6EC9C7278A3}" destId="{2E8B78D1-D27F-4E6D-922D-F6336964425A}" srcOrd="0" destOrd="0" presId="urn:microsoft.com/office/officeart/2005/8/layout/vProcess5"/>
+    <dgm:cxn modelId="{B179A3F5-DC5F-4A2C-97A1-B8303FCD07D4}" type="presOf" srcId="{B9021FEE-B5DE-4992-9449-E4F570BF12F0}" destId="{EC714181-BF3A-49DD-877F-8E06AD0503E7}" srcOrd="0" destOrd="0" presId="urn:microsoft.com/office/officeart/2005/8/layout/vProcess5"/>
     <dgm:cxn modelId="{64608F36-546E-4D21-BEE7-0BC1F5393780}" srcId="{F28DB1A8-728C-4567-BA12-C6EC9C7278A3}" destId="{576F2C40-5242-4AE7-B61B-70D3666259B6}" srcOrd="1" destOrd="0" parTransId="{409D83F4-AA56-4B50-B6F2-34941CA73C8C}" sibTransId="{AB3BE755-D25F-45F8-B446-9C5DBED2499F}"/>
     <dgm:cxn modelId="{0275D9D2-F066-4572-92D0-97A765B9099C}" type="presParOf" srcId="{2E8B78D1-D27F-4E6D-922D-F6336964425A}" destId="{FC0B9D9E-5069-45DA-AA47-6CE41058C3E2}" srcOrd="0" destOrd="0" presId="urn:microsoft.com/office/officeart/2005/8/layout/vProcess5"/>
     <dgm:cxn modelId="{9E665139-36CF-443E-9B2F-0428C2F3B129}" type="presParOf" srcId="{2E8B78D1-D27F-4E6D-922D-F6336964425A}" destId="{2288770F-078F-4E4A-8B3B-388035FAF399}" srcOrd="1" destOrd="0" presId="urn:microsoft.com/office/officeart/2005/8/layout/vProcess5"/>
@@ -3602,6 +3679,13 @@
         </dgm:presLayoutVars>
       </dgm:prSet>
       <dgm:spPr/>
+      <dgm:t>
+        <a:bodyPr/>
+        <a:lstStyle/>
+        <a:p>
+          <a:endParaRPr kumimoji="1" lang="ja-JP" altLang="en-US"/>
+        </a:p>
+      </dgm:t>
     </dgm:pt>
     <dgm:pt modelId="{26480C5A-8DB9-4702-9765-267E4A4D7B16}" type="pres">
       <dgm:prSet presAssocID="{B28B8729-FC30-41DC-84B1-133992D259D2}" presName="root" presStyleCnt="0"/>
@@ -3625,6 +3709,13 @@
     <dgm:pt modelId="{C7607B0C-C2AE-4B82-A760-5F69195FB751}" type="pres">
       <dgm:prSet presAssocID="{B28B8729-FC30-41DC-84B1-133992D259D2}" presName="rootConnector" presStyleLbl="node1" presStyleIdx="0" presStyleCnt="1"/>
       <dgm:spPr/>
+      <dgm:t>
+        <a:bodyPr/>
+        <a:lstStyle/>
+        <a:p>
+          <a:endParaRPr kumimoji="1" lang="ja-JP" altLang="en-US"/>
+        </a:p>
+      </dgm:t>
     </dgm:pt>
     <dgm:pt modelId="{5BC3A686-C54E-42F9-85D8-C4859F78FEFE}" type="pres">
       <dgm:prSet presAssocID="{B28B8729-FC30-41DC-84B1-133992D259D2}" presName="childShape" presStyleCnt="0"/>
@@ -3633,6 +3724,13 @@
     <dgm:pt modelId="{29286A81-DB6A-43CE-B30D-BF5AB615FC53}" type="pres">
       <dgm:prSet presAssocID="{C50E9785-A870-4B05-967E-D5106BD53A12}" presName="Name13" presStyleLbl="parChTrans1D2" presStyleIdx="0" presStyleCnt="3"/>
       <dgm:spPr/>
+      <dgm:t>
+        <a:bodyPr/>
+        <a:lstStyle/>
+        <a:p>
+          <a:endParaRPr kumimoji="1" lang="ja-JP" altLang="en-US"/>
+        </a:p>
+      </dgm:t>
     </dgm:pt>
     <dgm:pt modelId="{40569A28-77FD-4C5B-AE42-8260AF7B3596}" type="pres">
       <dgm:prSet presAssocID="{FFD08D99-D649-4F5A-913A-AE281A7E9F2A}" presName="childText" presStyleLbl="bgAcc1" presStyleIdx="0" presStyleCnt="3" custScaleX="282943">
@@ -3641,10 +3739,24 @@
         </dgm:presLayoutVars>
       </dgm:prSet>
       <dgm:spPr/>
+      <dgm:t>
+        <a:bodyPr/>
+        <a:lstStyle/>
+        <a:p>
+          <a:endParaRPr kumimoji="1" lang="ja-JP" altLang="en-US"/>
+        </a:p>
+      </dgm:t>
     </dgm:pt>
     <dgm:pt modelId="{29ECD873-C715-4062-9AF0-36B18B36C75A}" type="pres">
       <dgm:prSet presAssocID="{E6EFECB6-158F-4E32-A8F9-70967D17BFF1}" presName="Name13" presStyleLbl="parChTrans1D2" presStyleIdx="1" presStyleCnt="3"/>
       <dgm:spPr/>
+      <dgm:t>
+        <a:bodyPr/>
+        <a:lstStyle/>
+        <a:p>
+          <a:endParaRPr kumimoji="1" lang="ja-JP" altLang="en-US"/>
+        </a:p>
+      </dgm:t>
     </dgm:pt>
     <dgm:pt modelId="{63507CF1-D901-4494-B4DB-99CFF5C51C38}" type="pres">
       <dgm:prSet presAssocID="{E597E0F9-04D7-40E7-9D96-0338228E27EA}" presName="childText" presStyleLbl="bgAcc1" presStyleIdx="1" presStyleCnt="3" custScaleX="282943">
@@ -3664,6 +3776,13 @@
     <dgm:pt modelId="{A8504715-9E10-43BF-834B-CD8382194321}" type="pres">
       <dgm:prSet presAssocID="{3263CB97-7E2B-48E4-93A8-75D1886CF57C}" presName="Name13" presStyleLbl="parChTrans1D2" presStyleIdx="2" presStyleCnt="3"/>
       <dgm:spPr/>
+      <dgm:t>
+        <a:bodyPr/>
+        <a:lstStyle/>
+        <a:p>
+          <a:endParaRPr kumimoji="1" lang="ja-JP" altLang="en-US"/>
+        </a:p>
+      </dgm:t>
     </dgm:pt>
     <dgm:pt modelId="{567393D7-96CA-406F-B701-2603D099149E}" type="pres">
       <dgm:prSet presAssocID="{57808BDF-1586-4381-B6A7-54BDB4839B04}" presName="childText" presStyleLbl="bgAcc1" presStyleIdx="2" presStyleCnt="3" custScaleX="282943">
@@ -3672,22 +3791,29 @@
         </dgm:presLayoutVars>
       </dgm:prSet>
       <dgm:spPr/>
+      <dgm:t>
+        <a:bodyPr/>
+        <a:lstStyle/>
+        <a:p>
+          <a:endParaRPr kumimoji="1" lang="ja-JP" altLang="en-US"/>
+        </a:p>
+      </dgm:t>
     </dgm:pt>
   </dgm:ptLst>
   <dgm:cxnLst>
+    <dgm:cxn modelId="{9D90B9BF-7C8E-452C-AA43-0CDD30588FA2}" type="presOf" srcId="{658D47A2-D50B-4D2F-833D-68F1BFFE2CBA}" destId="{6AE8DB6A-FE12-447E-B2B4-2CFDCCB4FF02}" srcOrd="0" destOrd="0" presId="urn:microsoft.com/office/officeart/2005/8/layout/hierarchy3"/>
     <dgm:cxn modelId="{603D091D-9A8F-4376-92E9-35D5AD26BEDA}" type="presOf" srcId="{3263CB97-7E2B-48E4-93A8-75D1886CF57C}" destId="{A8504715-9E10-43BF-834B-CD8382194321}" srcOrd="0" destOrd="0" presId="urn:microsoft.com/office/officeart/2005/8/layout/hierarchy3"/>
-    <dgm:cxn modelId="{9D90B9BF-7C8E-452C-AA43-0CDD30588FA2}" type="presOf" srcId="{658D47A2-D50B-4D2F-833D-68F1BFFE2CBA}" destId="{6AE8DB6A-FE12-447E-B2B4-2CFDCCB4FF02}" srcOrd="0" destOrd="0" presId="urn:microsoft.com/office/officeart/2005/8/layout/hierarchy3"/>
-    <dgm:cxn modelId="{F74A0E92-16FE-4C85-80CB-05152E2F33B2}" srcId="{B28B8729-FC30-41DC-84B1-133992D259D2}" destId="{FFD08D99-D649-4F5A-913A-AE281A7E9F2A}" srcOrd="0" destOrd="0" parTransId="{C50E9785-A870-4B05-967E-D5106BD53A12}" sibTransId="{CA50D7F4-4009-4442-85FB-475D062C4B39}"/>
     <dgm:cxn modelId="{93D84395-7B21-4547-BCC8-156E1E12C2B4}" type="presOf" srcId="{B28B8729-FC30-41DC-84B1-133992D259D2}" destId="{221BD09F-0D87-476B-A234-BF2F6DC3F045}" srcOrd="0" destOrd="0" presId="urn:microsoft.com/office/officeart/2005/8/layout/hierarchy3"/>
-    <dgm:cxn modelId="{4951E9AF-9D45-4253-9843-77104EDC3E02}" type="presOf" srcId="{57808BDF-1586-4381-B6A7-54BDB4839B04}" destId="{567393D7-96CA-406F-B701-2603D099149E}" srcOrd="0" destOrd="0" presId="urn:microsoft.com/office/officeart/2005/8/layout/hierarchy3"/>
-    <dgm:cxn modelId="{F4552FAF-164A-4052-8CD0-48C199C4BA7B}" type="presOf" srcId="{C50E9785-A870-4B05-967E-D5106BD53A12}" destId="{29286A81-DB6A-43CE-B30D-BF5AB615FC53}" srcOrd="0" destOrd="0" presId="urn:microsoft.com/office/officeart/2005/8/layout/hierarchy3"/>
-    <dgm:cxn modelId="{70E29925-A534-44D9-B2DE-6AF4E01065DC}" type="presOf" srcId="{FFD08D99-D649-4F5A-913A-AE281A7E9F2A}" destId="{40569A28-77FD-4C5B-AE42-8260AF7B3596}" srcOrd="0" destOrd="0" presId="urn:microsoft.com/office/officeart/2005/8/layout/hierarchy3"/>
     <dgm:cxn modelId="{620560E6-3319-44F7-AE83-793E13E750B3}" srcId="{658D47A2-D50B-4D2F-833D-68F1BFFE2CBA}" destId="{B28B8729-FC30-41DC-84B1-133992D259D2}" srcOrd="0" destOrd="0" parTransId="{969AAD7F-650C-439A-A6D6-1BE0411874ED}" sibTransId="{964B437C-6998-4807-8531-E0533C1EED96}"/>
     <dgm:cxn modelId="{E6B14649-5E9F-4FA9-966D-8959DD815C6F}" type="presOf" srcId="{E597E0F9-04D7-40E7-9D96-0338228E27EA}" destId="{63507CF1-D901-4494-B4DB-99CFF5C51C38}" srcOrd="0" destOrd="0" presId="urn:microsoft.com/office/officeart/2005/8/layout/hierarchy3"/>
+    <dgm:cxn modelId="{4951E9AF-9D45-4253-9843-77104EDC3E02}" type="presOf" srcId="{57808BDF-1586-4381-B6A7-54BDB4839B04}" destId="{567393D7-96CA-406F-B701-2603D099149E}" srcOrd="0" destOrd="0" presId="urn:microsoft.com/office/officeart/2005/8/layout/hierarchy3"/>
+    <dgm:cxn modelId="{34E9EF64-C5AC-40D7-A197-42D7DB08797C}" type="presOf" srcId="{B28B8729-FC30-41DC-84B1-133992D259D2}" destId="{C7607B0C-C2AE-4B82-A760-5F69195FB751}" srcOrd="1" destOrd="0" presId="urn:microsoft.com/office/officeart/2005/8/layout/hierarchy3"/>
+    <dgm:cxn modelId="{F4552FAF-164A-4052-8CD0-48C199C4BA7B}" type="presOf" srcId="{C50E9785-A870-4B05-967E-D5106BD53A12}" destId="{29286A81-DB6A-43CE-B30D-BF5AB615FC53}" srcOrd="0" destOrd="0" presId="urn:microsoft.com/office/officeart/2005/8/layout/hierarchy3"/>
+    <dgm:cxn modelId="{192B7142-0EC3-4ED0-8606-DD2FBAF65DED}" type="presOf" srcId="{E6EFECB6-158F-4E32-A8F9-70967D17BFF1}" destId="{29ECD873-C715-4062-9AF0-36B18B36C75A}" srcOrd="0" destOrd="0" presId="urn:microsoft.com/office/officeart/2005/8/layout/hierarchy3"/>
+    <dgm:cxn modelId="{AD726A06-CF42-4AAF-BC88-6EA0A5573B99}" srcId="{B28B8729-FC30-41DC-84B1-133992D259D2}" destId="{E597E0F9-04D7-40E7-9D96-0338228E27EA}" srcOrd="1" destOrd="0" parTransId="{E6EFECB6-158F-4E32-A8F9-70967D17BFF1}" sibTransId="{93A3BB01-8C6C-48A0-86A5-4F708D25F5A8}"/>
+    <dgm:cxn modelId="{F74A0E92-16FE-4C85-80CB-05152E2F33B2}" srcId="{B28B8729-FC30-41DC-84B1-133992D259D2}" destId="{FFD08D99-D649-4F5A-913A-AE281A7E9F2A}" srcOrd="0" destOrd="0" parTransId="{C50E9785-A870-4B05-967E-D5106BD53A12}" sibTransId="{CA50D7F4-4009-4442-85FB-475D062C4B39}"/>
     <dgm:cxn modelId="{010902DE-05F3-43B5-9174-A439553F961A}" srcId="{B28B8729-FC30-41DC-84B1-133992D259D2}" destId="{57808BDF-1586-4381-B6A7-54BDB4839B04}" srcOrd="2" destOrd="0" parTransId="{3263CB97-7E2B-48E4-93A8-75D1886CF57C}" sibTransId="{8F331CDD-6044-4A6B-8FD4-3FD43CDCCCA8}"/>
-    <dgm:cxn modelId="{34E9EF64-C5AC-40D7-A197-42D7DB08797C}" type="presOf" srcId="{B28B8729-FC30-41DC-84B1-133992D259D2}" destId="{C7607B0C-C2AE-4B82-A760-5F69195FB751}" srcOrd="1" destOrd="0" presId="urn:microsoft.com/office/officeart/2005/8/layout/hierarchy3"/>
-    <dgm:cxn modelId="{AD726A06-CF42-4AAF-BC88-6EA0A5573B99}" srcId="{B28B8729-FC30-41DC-84B1-133992D259D2}" destId="{E597E0F9-04D7-40E7-9D96-0338228E27EA}" srcOrd="1" destOrd="0" parTransId="{E6EFECB6-158F-4E32-A8F9-70967D17BFF1}" sibTransId="{93A3BB01-8C6C-48A0-86A5-4F708D25F5A8}"/>
-    <dgm:cxn modelId="{192B7142-0EC3-4ED0-8606-DD2FBAF65DED}" type="presOf" srcId="{E6EFECB6-158F-4E32-A8F9-70967D17BFF1}" destId="{29ECD873-C715-4062-9AF0-36B18B36C75A}" srcOrd="0" destOrd="0" presId="urn:microsoft.com/office/officeart/2005/8/layout/hierarchy3"/>
+    <dgm:cxn modelId="{70E29925-A534-44D9-B2DE-6AF4E01065DC}" type="presOf" srcId="{FFD08D99-D649-4F5A-913A-AE281A7E9F2A}" destId="{40569A28-77FD-4C5B-AE42-8260AF7B3596}" srcOrd="0" destOrd="0" presId="urn:microsoft.com/office/officeart/2005/8/layout/hierarchy3"/>
     <dgm:cxn modelId="{EB54B6CC-811E-4C95-94E1-BB9E0B8B7A5E}" type="presParOf" srcId="{6AE8DB6A-FE12-447E-B2B4-2CFDCCB4FF02}" destId="{26480C5A-8DB9-4702-9765-267E4A4D7B16}" srcOrd="0" destOrd="0" presId="urn:microsoft.com/office/officeart/2005/8/layout/hierarchy3"/>
     <dgm:cxn modelId="{A87E5DF7-ABA3-48CF-B3E2-FA985C24FCA5}" type="presParOf" srcId="{26480C5A-8DB9-4702-9765-267E4A4D7B16}" destId="{9D139FB2-4E0C-4B35-B694-E560E378F03B}" srcOrd="0" destOrd="0" presId="urn:microsoft.com/office/officeart/2005/8/layout/hierarchy3"/>
     <dgm:cxn modelId="{41ED333C-C6D2-4EC9-A906-6BEC10C854D3}" type="presParOf" srcId="{9D139FB2-4E0C-4B35-B694-E560E378F03B}" destId="{221BD09F-0D87-476B-A234-BF2F6DC3F045}" srcOrd="0" destOrd="0" presId="urn:microsoft.com/office/officeart/2005/8/layout/hierarchy3"/>
@@ -4983,591 +5109,6 @@
       <dsp:cNvGrpSpPr/>
     </dsp:nvGrpSpPr>
     <dsp:grpSpPr/>
-    <dsp:sp modelId="{221BD09F-0D87-476B-A234-BF2F6DC3F045}">
-      <dsp:nvSpPr>
-        <dsp:cNvPr id="0" name=""/>
-        <dsp:cNvSpPr/>
-      </dsp:nvSpPr>
-      <dsp:spPr>
-        <a:xfrm>
-          <a:off x="630975" y="930"/>
-          <a:ext cx="6624749" cy="1170682"/>
-        </a:xfrm>
-        <a:prstGeom prst="roundRect">
-          <a:avLst>
-            <a:gd name="adj" fmla="val 10000"/>
-          </a:avLst>
-        </a:prstGeom>
-        <a:gradFill rotWithShape="0">
-          <a:gsLst>
-            <a:gs pos="0">
-              <a:schemeClr val="accent2">
-                <a:shade val="80000"/>
-                <a:hueOff val="0"/>
-                <a:satOff val="0"/>
-                <a:lumOff val="0"/>
-                <a:alphaOff val="0"/>
-                <a:satMod val="103000"/>
-                <a:lumMod val="102000"/>
-                <a:tint val="94000"/>
-              </a:schemeClr>
-            </a:gs>
-            <a:gs pos="50000">
-              <a:schemeClr val="accent2">
-                <a:shade val="80000"/>
-                <a:hueOff val="0"/>
-                <a:satOff val="0"/>
-                <a:lumOff val="0"/>
-                <a:alphaOff val="0"/>
-                <a:satMod val="110000"/>
-                <a:lumMod val="100000"/>
-                <a:shade val="100000"/>
-              </a:schemeClr>
-            </a:gs>
-            <a:gs pos="100000">
-              <a:schemeClr val="accent2">
-                <a:shade val="80000"/>
-                <a:hueOff val="0"/>
-                <a:satOff val="0"/>
-                <a:lumOff val="0"/>
-                <a:alphaOff val="0"/>
-                <a:lumMod val="99000"/>
-                <a:satMod val="120000"/>
-                <a:shade val="78000"/>
-              </a:schemeClr>
-            </a:gs>
-          </a:gsLst>
-          <a:lin ang="5400000" scaled="0"/>
-        </a:gradFill>
-        <a:ln>
-          <a:noFill/>
-        </a:ln>
-        <a:effectLst>
-          <a:outerShdw blurRad="57150" dist="19050" dir="5400000" algn="ctr" rotWithShape="0">
-            <a:srgbClr val="000000">
-              <a:alpha val="63000"/>
-            </a:srgbClr>
-          </a:outerShdw>
-        </a:effectLst>
-      </dsp:spPr>
-      <dsp:style>
-        <a:lnRef idx="0">
-          <a:scrgbClr r="0" g="0" b="0"/>
-        </a:lnRef>
-        <a:fillRef idx="3">
-          <a:scrgbClr r="0" g="0" b="0"/>
-        </a:fillRef>
-        <a:effectRef idx="3">
-          <a:scrgbClr r="0" g="0" b="0"/>
-        </a:effectRef>
-        <a:fontRef idx="minor">
-          <a:schemeClr val="lt1"/>
-        </a:fontRef>
-      </dsp:style>
-      <dsp:txBody>
-        <a:bodyPr spcFirstLastPara="0" vert="horz" wrap="square" lIns="120015" tIns="80010" rIns="120015" bIns="80010" numCol="1" spcCol="1270" anchor="ctr" anchorCtr="0">
-          <a:noAutofit/>
-        </a:bodyPr>
-        <a:lstStyle/>
-        <a:p>
-          <a:pPr lvl="0" algn="ctr" defTabSz="2800350">
-            <a:lnSpc>
-              <a:spcPct val="90000"/>
-            </a:lnSpc>
-            <a:spcBef>
-              <a:spcPct val="0"/>
-            </a:spcBef>
-            <a:spcAft>
-              <a:spcPct val="35000"/>
-            </a:spcAft>
-          </a:pPr>
-          <a:r>
-            <a:rPr kumimoji="1" lang="ja-JP" altLang="en-US" sz="6300" kern="1200" dirty="0" smtClean="0"/>
-            <a:t>親クラス </a:t>
-          </a:r>
-          <a:r>
-            <a:rPr kumimoji="1" lang="en-US" altLang="ja-JP" sz="6300" kern="1200" dirty="0" smtClean="0"/>
-            <a:t>CChr</a:t>
-          </a:r>
-          <a:endParaRPr kumimoji="1" lang="ja-JP" altLang="en-US" sz="6300" kern="1200" dirty="0"/>
-        </a:p>
-      </dsp:txBody>
-      <dsp:txXfrm>
-        <a:off x="665263" y="35218"/>
-        <a:ext cx="6556173" cy="1102106"/>
-      </dsp:txXfrm>
-    </dsp:sp>
-    <dsp:sp modelId="{29286A81-DB6A-43CE-B30D-BF5AB615FC53}">
-      <dsp:nvSpPr>
-        <dsp:cNvPr id="0" name=""/>
-        <dsp:cNvSpPr/>
-      </dsp:nvSpPr>
-      <dsp:spPr>
-        <a:xfrm>
-          <a:off x="1293450" y="1171612"/>
-          <a:ext cx="662474" cy="878011"/>
-        </a:xfrm>
-        <a:custGeom>
-          <a:avLst/>
-          <a:gdLst/>
-          <a:ahLst/>
-          <a:cxnLst/>
-          <a:rect l="0" t="0" r="0" b="0"/>
-          <a:pathLst>
-            <a:path>
-              <a:moveTo>
-                <a:pt x="0" y="0"/>
-              </a:moveTo>
-              <a:lnTo>
-                <a:pt x="0" y="878011"/>
-              </a:lnTo>
-              <a:lnTo>
-                <a:pt x="662474" y="878011"/>
-              </a:lnTo>
-            </a:path>
-          </a:pathLst>
-        </a:custGeom>
-        <a:noFill/>
-        <a:ln w="12700" cap="flat" cmpd="sng" algn="ctr">
-          <a:solidFill>
-            <a:schemeClr val="accent2">
-              <a:tint val="99000"/>
-              <a:hueOff val="0"/>
-              <a:satOff val="0"/>
-              <a:lumOff val="0"/>
-              <a:alphaOff val="0"/>
-            </a:schemeClr>
-          </a:solidFill>
-          <a:prstDash val="solid"/>
-          <a:miter lim="800000"/>
-        </a:ln>
-        <a:effectLst/>
-      </dsp:spPr>
-      <dsp:style>
-        <a:lnRef idx="2">
-          <a:scrgbClr r="0" g="0" b="0"/>
-        </a:lnRef>
-        <a:fillRef idx="0">
-          <a:scrgbClr r="0" g="0" b="0"/>
-        </a:fillRef>
-        <a:effectRef idx="0">
-          <a:scrgbClr r="0" g="0" b="0"/>
-        </a:effectRef>
-        <a:fontRef idx="minor"/>
-      </dsp:style>
-    </dsp:sp>
-    <dsp:sp modelId="{40569A28-77FD-4C5B-AE42-8260AF7B3596}">
-      <dsp:nvSpPr>
-        <dsp:cNvPr id="0" name=""/>
-        <dsp:cNvSpPr/>
-      </dsp:nvSpPr>
-      <dsp:spPr>
-        <a:xfrm>
-          <a:off x="1955925" y="1464282"/>
-          <a:ext cx="5299780" cy="1170682"/>
-        </a:xfrm>
-        <a:prstGeom prst="roundRect">
-          <a:avLst>
-            <a:gd name="adj" fmla="val 10000"/>
-          </a:avLst>
-        </a:prstGeom>
-        <a:solidFill>
-          <a:schemeClr val="lt1">
-            <a:alpha val="90000"/>
-            <a:hueOff val="0"/>
-            <a:satOff val="0"/>
-            <a:lumOff val="0"/>
-            <a:alphaOff val="0"/>
-          </a:schemeClr>
-        </a:solidFill>
-        <a:ln w="6350" cap="flat" cmpd="sng" algn="ctr">
-          <a:solidFill>
-            <a:schemeClr val="accent2">
-              <a:shade val="80000"/>
-              <a:hueOff val="0"/>
-              <a:satOff val="0"/>
-              <a:lumOff val="0"/>
-              <a:alphaOff val="0"/>
-            </a:schemeClr>
-          </a:solidFill>
-          <a:prstDash val="solid"/>
-          <a:miter lim="800000"/>
-        </a:ln>
-        <a:effectLst/>
-      </dsp:spPr>
-      <dsp:style>
-        <a:lnRef idx="1">
-          <a:scrgbClr r="0" g="0" b="0"/>
-        </a:lnRef>
-        <a:fillRef idx="1">
-          <a:scrgbClr r="0" g="0" b="0"/>
-        </a:fillRef>
-        <a:effectRef idx="2">
-          <a:scrgbClr r="0" g="0" b="0"/>
-        </a:effectRef>
-        <a:fontRef idx="minor"/>
-      </dsp:style>
-      <dsp:txBody>
-        <a:bodyPr spcFirstLastPara="0" vert="horz" wrap="square" lIns="57150" tIns="38100" rIns="57150" bIns="38100" numCol="1" spcCol="1270" anchor="ctr" anchorCtr="0">
-          <a:noAutofit/>
-        </a:bodyPr>
-        <a:lstStyle/>
-        <a:p>
-          <a:pPr lvl="0" algn="ctr" defTabSz="1333500">
-            <a:lnSpc>
-              <a:spcPct val="90000"/>
-            </a:lnSpc>
-            <a:spcBef>
-              <a:spcPct val="0"/>
-            </a:spcBef>
-            <a:spcAft>
-              <a:spcPct val="35000"/>
-            </a:spcAft>
-          </a:pPr>
-          <a:r>
-            <a:rPr kumimoji="1" lang="ja-JP" altLang="en-US" sz="3000" kern="1200" dirty="0" smtClean="0"/>
-            <a:t>直線キャラクター</a:t>
-          </a:r>
-          <a:endParaRPr kumimoji="1" lang="en-US" altLang="ja-JP" sz="3000" kern="1200" dirty="0" smtClean="0"/>
-        </a:p>
-        <a:p>
-          <a:pPr lvl="0" algn="ctr" defTabSz="1333500">
-            <a:lnSpc>
-              <a:spcPct val="90000"/>
-            </a:lnSpc>
-            <a:spcBef>
-              <a:spcPct val="0"/>
-            </a:spcBef>
-            <a:spcAft>
-              <a:spcPct val="35000"/>
-            </a:spcAft>
-          </a:pPr>
-          <a:r>
-            <a:rPr kumimoji="1" lang="en-US" altLang="ja-JP" sz="3000" kern="1200" dirty="0" smtClean="0"/>
-            <a:t>CStraight</a:t>
-          </a:r>
-          <a:endParaRPr kumimoji="1" lang="ja-JP" altLang="en-US" sz="3000" kern="1200" dirty="0"/>
-        </a:p>
-      </dsp:txBody>
-      <dsp:txXfrm>
-        <a:off x="1990213" y="1498570"/>
-        <a:ext cx="5231204" cy="1102106"/>
-      </dsp:txXfrm>
-    </dsp:sp>
-    <dsp:sp modelId="{29ECD873-C715-4062-9AF0-36B18B36C75A}">
-      <dsp:nvSpPr>
-        <dsp:cNvPr id="0" name=""/>
-        <dsp:cNvSpPr/>
-      </dsp:nvSpPr>
-      <dsp:spPr>
-        <a:xfrm>
-          <a:off x="1293450" y="1171612"/>
-          <a:ext cx="662474" cy="2341364"/>
-        </a:xfrm>
-        <a:custGeom>
-          <a:avLst/>
-          <a:gdLst/>
-          <a:ahLst/>
-          <a:cxnLst/>
-          <a:rect l="0" t="0" r="0" b="0"/>
-          <a:pathLst>
-            <a:path>
-              <a:moveTo>
-                <a:pt x="0" y="0"/>
-              </a:moveTo>
-              <a:lnTo>
-                <a:pt x="0" y="2341364"/>
-              </a:lnTo>
-              <a:lnTo>
-                <a:pt x="662474" y="2341364"/>
-              </a:lnTo>
-            </a:path>
-          </a:pathLst>
-        </a:custGeom>
-        <a:noFill/>
-        <a:ln w="12700" cap="flat" cmpd="sng" algn="ctr">
-          <a:solidFill>
-            <a:schemeClr val="accent2">
-              <a:tint val="99000"/>
-              <a:hueOff val="0"/>
-              <a:satOff val="0"/>
-              <a:lumOff val="0"/>
-              <a:alphaOff val="0"/>
-            </a:schemeClr>
-          </a:solidFill>
-          <a:prstDash val="solid"/>
-          <a:miter lim="800000"/>
-        </a:ln>
-        <a:effectLst/>
-      </dsp:spPr>
-      <dsp:style>
-        <a:lnRef idx="2">
-          <a:scrgbClr r="0" g="0" b="0"/>
-        </a:lnRef>
-        <a:fillRef idx="0">
-          <a:scrgbClr r="0" g="0" b="0"/>
-        </a:fillRef>
-        <a:effectRef idx="0">
-          <a:scrgbClr r="0" g="0" b="0"/>
-        </a:effectRef>
-        <a:fontRef idx="minor"/>
-      </dsp:style>
-    </dsp:sp>
-    <dsp:sp modelId="{63507CF1-D901-4494-B4DB-99CFF5C51C38}">
-      <dsp:nvSpPr>
-        <dsp:cNvPr id="0" name=""/>
-        <dsp:cNvSpPr/>
-      </dsp:nvSpPr>
-      <dsp:spPr>
-        <a:xfrm>
-          <a:off x="1955925" y="2927635"/>
-          <a:ext cx="5299780" cy="1170682"/>
-        </a:xfrm>
-        <a:prstGeom prst="roundRect">
-          <a:avLst>
-            <a:gd name="adj" fmla="val 10000"/>
-          </a:avLst>
-        </a:prstGeom>
-        <a:solidFill>
-          <a:schemeClr val="lt1">
-            <a:alpha val="90000"/>
-            <a:hueOff val="0"/>
-            <a:satOff val="0"/>
-            <a:lumOff val="0"/>
-            <a:alphaOff val="0"/>
-          </a:schemeClr>
-        </a:solidFill>
-        <a:ln w="6350" cap="flat" cmpd="sng" algn="ctr">
-          <a:solidFill>
-            <a:schemeClr val="accent2">
-              <a:shade val="80000"/>
-              <a:hueOff val="-240708"/>
-              <a:satOff val="5083"/>
-              <a:lumOff val="13541"/>
-              <a:alphaOff val="0"/>
-            </a:schemeClr>
-          </a:solidFill>
-          <a:prstDash val="solid"/>
-          <a:miter lim="800000"/>
-        </a:ln>
-        <a:effectLst/>
-      </dsp:spPr>
-      <dsp:style>
-        <a:lnRef idx="1">
-          <a:scrgbClr r="0" g="0" b="0"/>
-        </a:lnRef>
-        <a:fillRef idx="1">
-          <a:scrgbClr r="0" g="0" b="0"/>
-        </a:fillRef>
-        <a:effectRef idx="2">
-          <a:scrgbClr r="0" g="0" b="0"/>
-        </a:effectRef>
-        <a:fontRef idx="minor"/>
-      </dsp:style>
-      <dsp:txBody>
-        <a:bodyPr spcFirstLastPara="0" vert="horz" wrap="square" lIns="57150" tIns="38100" rIns="57150" bIns="38100" numCol="1" spcCol="1270" anchor="ctr" anchorCtr="0">
-          <a:noAutofit/>
-        </a:bodyPr>
-        <a:lstStyle/>
-        <a:p>
-          <a:pPr lvl="0" algn="ctr" defTabSz="1333500">
-            <a:lnSpc>
-              <a:spcPct val="90000"/>
-            </a:lnSpc>
-            <a:spcBef>
-              <a:spcPct val="0"/>
-            </a:spcBef>
-            <a:spcAft>
-              <a:spcPct val="35000"/>
-            </a:spcAft>
-          </a:pPr>
-          <a:r>
-            <a:rPr kumimoji="1" lang="ja-JP" altLang="en-US" sz="3000" kern="1200" dirty="0" smtClean="0"/>
-            <a:t>重力キャラクター</a:t>
-          </a:r>
-          <a:endParaRPr kumimoji="1" lang="en-US" altLang="ja-JP" sz="3000" kern="1200" dirty="0" smtClean="0"/>
-        </a:p>
-        <a:p>
-          <a:pPr lvl="0" algn="ctr" defTabSz="1333500">
-            <a:lnSpc>
-              <a:spcPct val="90000"/>
-            </a:lnSpc>
-            <a:spcBef>
-              <a:spcPct val="0"/>
-            </a:spcBef>
-            <a:spcAft>
-              <a:spcPct val="35000"/>
-            </a:spcAft>
-          </a:pPr>
-          <a:r>
-            <a:rPr kumimoji="1" lang="en-US" altLang="ja-JP" sz="3000" kern="1200" dirty="0" smtClean="0"/>
-            <a:t>CGravity</a:t>
-          </a:r>
-          <a:endParaRPr kumimoji="1" lang="ja-JP" altLang="en-US" sz="3000" kern="1200" dirty="0"/>
-        </a:p>
-      </dsp:txBody>
-      <dsp:txXfrm>
-        <a:off x="1990213" y="2961923"/>
-        <a:ext cx="5231204" cy="1102106"/>
-      </dsp:txXfrm>
-    </dsp:sp>
-    <dsp:sp modelId="{A8504715-9E10-43BF-834B-CD8382194321}">
-      <dsp:nvSpPr>
-        <dsp:cNvPr id="0" name=""/>
-        <dsp:cNvSpPr/>
-      </dsp:nvSpPr>
-      <dsp:spPr>
-        <a:xfrm>
-          <a:off x="1293450" y="1171612"/>
-          <a:ext cx="662474" cy="3804716"/>
-        </a:xfrm>
-        <a:custGeom>
-          <a:avLst/>
-          <a:gdLst/>
-          <a:ahLst/>
-          <a:cxnLst/>
-          <a:rect l="0" t="0" r="0" b="0"/>
-          <a:pathLst>
-            <a:path>
-              <a:moveTo>
-                <a:pt x="0" y="0"/>
-              </a:moveTo>
-              <a:lnTo>
-                <a:pt x="0" y="3804716"/>
-              </a:lnTo>
-              <a:lnTo>
-                <a:pt x="662474" y="3804716"/>
-              </a:lnTo>
-            </a:path>
-          </a:pathLst>
-        </a:custGeom>
-        <a:noFill/>
-        <a:ln w="12700" cap="flat" cmpd="sng" algn="ctr">
-          <a:solidFill>
-            <a:schemeClr val="accent2">
-              <a:tint val="99000"/>
-              <a:hueOff val="0"/>
-              <a:satOff val="0"/>
-              <a:lumOff val="0"/>
-              <a:alphaOff val="0"/>
-            </a:schemeClr>
-          </a:solidFill>
-          <a:prstDash val="solid"/>
-          <a:miter lim="800000"/>
-        </a:ln>
-        <a:effectLst/>
-      </dsp:spPr>
-      <dsp:style>
-        <a:lnRef idx="2">
-          <a:scrgbClr r="0" g="0" b="0"/>
-        </a:lnRef>
-        <a:fillRef idx="0">
-          <a:scrgbClr r="0" g="0" b="0"/>
-        </a:fillRef>
-        <a:effectRef idx="0">
-          <a:scrgbClr r="0" g="0" b="0"/>
-        </a:effectRef>
-        <a:fontRef idx="minor"/>
-      </dsp:style>
-    </dsp:sp>
-    <dsp:sp modelId="{567393D7-96CA-406F-B701-2603D099149E}">
-      <dsp:nvSpPr>
-        <dsp:cNvPr id="0" name=""/>
-        <dsp:cNvSpPr/>
-      </dsp:nvSpPr>
-      <dsp:spPr>
-        <a:xfrm>
-          <a:off x="1955925" y="4390987"/>
-          <a:ext cx="5299780" cy="1170682"/>
-        </a:xfrm>
-        <a:prstGeom prst="roundRect">
-          <a:avLst>
-            <a:gd name="adj" fmla="val 10000"/>
-          </a:avLst>
-        </a:prstGeom>
-        <a:solidFill>
-          <a:schemeClr val="lt1">
-            <a:alpha val="90000"/>
-            <a:hueOff val="0"/>
-            <a:satOff val="0"/>
-            <a:lumOff val="0"/>
-            <a:alphaOff val="0"/>
-          </a:schemeClr>
-        </a:solidFill>
-        <a:ln w="6350" cap="flat" cmpd="sng" algn="ctr">
-          <a:solidFill>
-            <a:schemeClr val="accent2">
-              <a:shade val="80000"/>
-              <a:hueOff val="-481415"/>
-              <a:satOff val="10166"/>
-              <a:lumOff val="27081"/>
-              <a:alphaOff val="0"/>
-            </a:schemeClr>
-          </a:solidFill>
-          <a:prstDash val="solid"/>
-          <a:miter lim="800000"/>
-        </a:ln>
-        <a:effectLst/>
-      </dsp:spPr>
-      <dsp:style>
-        <a:lnRef idx="1">
-          <a:scrgbClr r="0" g="0" b="0"/>
-        </a:lnRef>
-        <a:fillRef idx="1">
-          <a:scrgbClr r="0" g="0" b="0"/>
-        </a:fillRef>
-        <a:effectRef idx="2">
-          <a:scrgbClr r="0" g="0" b="0"/>
-        </a:effectRef>
-        <a:fontRef idx="minor"/>
-      </dsp:style>
-      <dsp:txBody>
-        <a:bodyPr spcFirstLastPara="0" vert="horz" wrap="square" lIns="57150" tIns="38100" rIns="57150" bIns="38100" numCol="1" spcCol="1270" anchor="ctr" anchorCtr="0">
-          <a:noAutofit/>
-        </a:bodyPr>
-        <a:lstStyle/>
-        <a:p>
-          <a:pPr lvl="0" algn="ctr" defTabSz="1333500">
-            <a:lnSpc>
-              <a:spcPct val="90000"/>
-            </a:lnSpc>
-            <a:spcBef>
-              <a:spcPct val="0"/>
-            </a:spcBef>
-            <a:spcAft>
-              <a:spcPct val="35000"/>
-            </a:spcAft>
-          </a:pPr>
-          <a:r>
-            <a:rPr kumimoji="1" lang="ja-JP" altLang="en-US" sz="3000" kern="1200" dirty="0" smtClean="0"/>
-            <a:t>加速キャラクター</a:t>
-          </a:r>
-          <a:endParaRPr kumimoji="1" lang="en-US" altLang="ja-JP" sz="3000" kern="1200" dirty="0" smtClean="0"/>
-        </a:p>
-        <a:p>
-          <a:pPr lvl="0" algn="ctr" defTabSz="1333500">
-            <a:lnSpc>
-              <a:spcPct val="90000"/>
-            </a:lnSpc>
-            <a:spcBef>
-              <a:spcPct val="0"/>
-            </a:spcBef>
-            <a:spcAft>
-              <a:spcPct val="35000"/>
-            </a:spcAft>
-          </a:pPr>
-          <a:r>
-            <a:rPr kumimoji="1" lang="en-US" altLang="ja-JP" sz="3000" kern="1200" dirty="0" smtClean="0"/>
-            <a:t>CAdd</a:t>
-          </a:r>
-          <a:endParaRPr kumimoji="1" lang="ja-JP" altLang="en-US" sz="3000" kern="1200" dirty="0"/>
-        </a:p>
-      </dsp:txBody>
-      <dsp:txXfrm>
-        <a:off x="1990213" y="4425275"/>
-        <a:ext cx="5231204" cy="1102106"/>
-      </dsp:txXfrm>
-    </dsp:sp>
   </dsp:spTree>
 </dsp:drawing>
 </file>
@@ -14751,19 +14292,7 @@
                   </a:outerShdw>
                 </a:effectLst>
               </a:rPr>
-              <a:t>を</a:t>
-            </a:r>
-            <a:r>
-              <a:rPr lang="ja-JP" altLang="en-US" dirty="0" smtClean="0">
-                <a:effectLst>
-                  <a:outerShdw blurRad="38100" dist="38100" dir="2700000" algn="tl">
-                    <a:srgbClr val="000000">
-                      <a:alpha val="43137"/>
-                    </a:srgbClr>
-                  </a:outerShdw>
-                </a:effectLst>
-              </a:rPr>
-              <a:t>なくす</a:t>
+              <a:t>をなくす</a:t>
             </a:r>
             <a:endParaRPr lang="en-US" altLang="ja-JP" dirty="0" smtClean="0">
               <a:effectLst>
@@ -14803,6 +14332,13 @@
   <p:clrMapOvr>
     <a:masterClrMapping/>
   </p:clrMapOvr>
+  <p:timing>
+    <p:tnLst>
+      <p:par>
+        <p:cTn id="1" dur="indefinite" restart="never" nodeType="tmRoot"/>
+      </p:par>
+    </p:tnLst>
+  </p:timing>
 </p:sld>
 </file>
 
@@ -14850,11 +14386,7 @@
             </a:r>
             <a:r>
               <a:rPr kumimoji="1" lang="ja-JP" altLang="en-US" dirty="0" smtClean="0"/>
-              <a:t>直線移動</a:t>
-            </a:r>
-            <a:r>
-              <a:rPr kumimoji="1" lang="ja-JP" altLang="en-US" dirty="0" smtClean="0"/>
-              <a:t>キャラクタークラスの管理</a:t>
+              <a:t>直線移動キャラクタークラスの管理</a:t>
             </a:r>
             <a:endParaRPr kumimoji="1" lang="ja-JP" altLang="en-US" dirty="0"/>
           </a:p>
@@ -16206,11 +15738,7 @@
             </a:r>
             <a:r>
               <a:rPr kumimoji="1" lang="ja-JP" altLang="en-US" dirty="0" smtClean="0"/>
-              <a:t>他のキャラクター</a:t>
-            </a:r>
-            <a:r>
-              <a:rPr kumimoji="1" lang="ja-JP" altLang="en-US" dirty="0" smtClean="0"/>
-              <a:t>の検討</a:t>
+              <a:t>他のキャラクターの検討</a:t>
             </a:r>
             <a:endParaRPr kumimoji="1" lang="ja-JP" altLang="en-US" dirty="0"/>
           </a:p>
@@ -16587,19 +16115,7 @@
             </a:r>
             <a:r>
               <a:rPr lang="ja-JP" altLang="en-US" dirty="0" smtClean="0"/>
-              <a:t>親キャラクター</a:t>
-            </a:r>
-            <a:r>
-              <a:rPr lang="ja-JP" altLang="en-US" dirty="0" smtClean="0"/>
-              <a:t>クラス</a:t>
-            </a:r>
-            <a:r>
-              <a:rPr lang="ja-JP" altLang="en-US" dirty="0" smtClean="0"/>
-              <a:t>の</a:t>
-            </a:r>
-            <a:r>
-              <a:rPr lang="ja-JP" altLang="en-US" dirty="0" smtClean="0"/>
-              <a:t>作成</a:t>
+              <a:t>親キャラクタークラスの作成</a:t>
             </a:r>
             <a:endParaRPr kumimoji="1" lang="ja-JP" altLang="en-US" dirty="0"/>
           </a:p>
@@ -16907,19 +16423,7 @@
             </a:r>
             <a:r>
               <a:rPr lang="ja-JP" altLang="en-US" dirty="0" smtClean="0"/>
-              <a:t>重力</a:t>
-            </a:r>
-            <a:r>
-              <a:rPr lang="ja-JP" altLang="en-US" dirty="0" smtClean="0"/>
-              <a:t>キャラクタークラス</a:t>
-            </a:r>
-            <a:r>
-              <a:rPr lang="ja-JP" altLang="en-US" dirty="0" smtClean="0"/>
-              <a:t>の</a:t>
-            </a:r>
-            <a:r>
-              <a:rPr lang="ja-JP" altLang="en-US" dirty="0" smtClean="0"/>
-              <a:t>作成</a:t>
+              <a:t>重力キャラクタークラスの作成</a:t>
             </a:r>
             <a:r>
               <a:rPr lang="en-US" altLang="ja-JP" dirty="0" smtClean="0"/>
@@ -17267,15 +16771,7 @@
             </a:pPr>
             <a:r>
               <a:rPr lang="ja-JP" altLang="en-US" dirty="0" smtClean="0"/>
-              <a:t>個別に用意した変数</a:t>
-            </a:r>
-            <a:r>
-              <a:rPr lang="ja-JP" altLang="en-US" dirty="0" smtClean="0"/>
-              <a:t>や処理を</a:t>
-            </a:r>
-            <a:r>
-              <a:rPr lang="ja-JP" altLang="en-US" dirty="0" smtClean="0"/>
-              <a:t>クラスにまとめる</a:t>
+              <a:t>個別に用意した変数や処理をクラスにまとめる</a:t>
             </a:r>
             <a:endParaRPr lang="en-US" altLang="ja-JP" dirty="0" smtClean="0"/>
           </a:p>
@@ -17289,11 +16785,7 @@
             </a:pPr>
             <a:r>
               <a:rPr lang="ja-JP" altLang="en-US" dirty="0" smtClean="0"/>
-              <a:t>キャラクター</a:t>
-            </a:r>
-            <a:r>
-              <a:rPr lang="ja-JP" altLang="en-US" dirty="0" smtClean="0"/>
-              <a:t>を自分自身に管理させる</a:t>
+              <a:t>キャラクターを自分自身に管理させる</a:t>
             </a:r>
             <a:endParaRPr lang="en-US" altLang="ja-JP" dirty="0" smtClean="0"/>
           </a:p>
@@ -17307,19 +16799,7 @@
             </a:pPr>
             <a:r>
               <a:rPr lang="ja-JP" altLang="en-US" dirty="0" smtClean="0"/>
-              <a:t>親</a:t>
-            </a:r>
-            <a:r>
-              <a:rPr lang="ja-JP" altLang="en-US" dirty="0" smtClean="0"/>
-              <a:t>クラスと子クラス</a:t>
-            </a:r>
-            <a:r>
-              <a:rPr lang="ja-JP" altLang="en-US" dirty="0" smtClean="0"/>
-              <a:t>を</a:t>
-            </a:r>
-            <a:r>
-              <a:rPr lang="ja-JP" altLang="en-US" dirty="0" smtClean="0"/>
-              <a:t>使って、変数や処理を共通化する</a:t>
+              <a:t>親クラスと子クラスを使って、変数や処理を共通化する</a:t>
             </a:r>
             <a:endParaRPr lang="en-US" altLang="ja-JP" dirty="0" smtClean="0"/>
           </a:p>
@@ -17439,6 +16919,13 @@
   <p:clrMapOvr>
     <a:masterClrMapping/>
   </p:clrMapOvr>
+  <p:timing>
+    <p:tnLst>
+      <p:par>
+        <p:cTn id="1" dur="indefinite" restart="never" nodeType="tmRoot"/>
+      </p:par>
+    </p:tnLst>
+  </p:timing>
 </p:sld>
 </file>
 
@@ -17486,19 +16973,7 @@
             </a:r>
             <a:r>
               <a:rPr lang="ja-JP" altLang="en-US" dirty="0" smtClean="0"/>
-              <a:t>重力</a:t>
-            </a:r>
-            <a:r>
-              <a:rPr lang="ja-JP" altLang="en-US" dirty="0" smtClean="0"/>
-              <a:t>キャラクタークラス</a:t>
-            </a:r>
-            <a:r>
-              <a:rPr lang="ja-JP" altLang="en-US" dirty="0" smtClean="0"/>
-              <a:t>の</a:t>
-            </a:r>
-            <a:r>
-              <a:rPr lang="ja-JP" altLang="en-US" dirty="0" smtClean="0"/>
-              <a:t>作成</a:t>
+              <a:t>重力キャラクタークラスの作成</a:t>
             </a:r>
             <a:r>
               <a:rPr lang="en-US" altLang="ja-JP" dirty="0" smtClean="0"/>
@@ -17799,19 +17274,7 @@
             </a:r>
             <a:r>
               <a:rPr lang="ja-JP" altLang="en-US" dirty="0" smtClean="0"/>
-              <a:t>重力</a:t>
-            </a:r>
-            <a:r>
-              <a:rPr lang="ja-JP" altLang="en-US" dirty="0" smtClean="0"/>
-              <a:t>キャラクタークラス</a:t>
-            </a:r>
-            <a:r>
-              <a:rPr lang="ja-JP" altLang="en-US" dirty="0" smtClean="0"/>
-              <a:t>の</a:t>
-            </a:r>
-            <a:r>
-              <a:rPr lang="ja-JP" altLang="en-US" dirty="0" smtClean="0"/>
-              <a:t>作成</a:t>
+              <a:t>重力キャラクタークラスの作成</a:t>
             </a:r>
             <a:r>
               <a:rPr lang="en-US" altLang="ja-JP" dirty="0" smtClean="0"/>
@@ -18036,19 +17499,7 @@
             </a:r>
             <a:r>
               <a:rPr lang="ja-JP" altLang="en-US" dirty="0" smtClean="0"/>
-              <a:t>重力</a:t>
-            </a:r>
-            <a:r>
-              <a:rPr lang="ja-JP" altLang="en-US" dirty="0" smtClean="0"/>
-              <a:t>キャラクタークラス</a:t>
-            </a:r>
-            <a:r>
-              <a:rPr lang="ja-JP" altLang="en-US" dirty="0" smtClean="0"/>
-              <a:t>の</a:t>
-            </a:r>
-            <a:r>
-              <a:rPr lang="ja-JP" altLang="en-US" dirty="0" smtClean="0"/>
-              <a:t>作成</a:t>
+              <a:t>重力キャラクタークラスの作成</a:t>
             </a:r>
             <a:r>
               <a:rPr lang="en-US" altLang="ja-JP" dirty="0" smtClean="0"/>
@@ -19857,7 +19308,7 @@
             <p:ph idx="1"/>
             <p:extLst>
               <p:ext uri="{D42A27DB-BD31-4B8C-83A1-F6EECF244321}">
-                <p14:modId xmlns:p14="http://schemas.microsoft.com/office/powerpoint/2010/main" val="1974333840"/>
+                <p14:modId xmlns:p14="http://schemas.microsoft.com/office/powerpoint/2010/main" val="2329606994"/>
               </p:ext>
             </p:extLst>
           </p:nvPr>
@@ -20163,6 +19614,10 @@
                     <a:bodyPr/>
                     <a:lstStyle/>
                     <a:p>
+                      <a:r>
+                        <a:rPr kumimoji="1" lang="ja-JP" altLang="en-US" dirty="0" smtClean="0"/>
+                        <a:t>キャラの種類</a:t>
+                      </a:r>
                       <a:endParaRPr kumimoji="1" lang="ja-JP" altLang="en-US" dirty="0"/>
                     </a:p>
                   </a:txBody>
@@ -20173,6 +19628,10 @@
                     <a:bodyPr/>
                     <a:lstStyle/>
                     <a:p>
+                      <a:r>
+                        <a:rPr kumimoji="1" lang="en-US" altLang="ja-JP" dirty="0" smtClean="0"/>
+                        <a:t>1</a:t>
+                      </a:r>
                       <a:endParaRPr kumimoji="1" lang="ja-JP" altLang="en-US" dirty="0"/>
                     </a:p>
                   </a:txBody>
@@ -20183,6 +19642,10 @@
                     <a:bodyPr/>
                     <a:lstStyle/>
                     <a:p>
+                      <a:r>
+                        <a:rPr kumimoji="1" lang="en-US" altLang="ja-JP" dirty="0" smtClean="0"/>
+                        <a:t>1</a:t>
+                      </a:r>
                       <a:endParaRPr kumimoji="1" lang="ja-JP" altLang="en-US" dirty="0"/>
                     </a:p>
                   </a:txBody>
@@ -20193,6 +19656,10 @@
                     <a:bodyPr/>
                     <a:lstStyle/>
                     <a:p>
+                      <a:r>
+                        <a:rPr kumimoji="1" lang="en-US" altLang="ja-JP" dirty="0" smtClean="0"/>
+                        <a:t>1</a:t>
+                      </a:r>
                       <a:endParaRPr kumimoji="1" lang="ja-JP" altLang="en-US" dirty="0"/>
                     </a:p>
                   </a:txBody>
@@ -20203,6 +19670,10 @@
                     <a:bodyPr/>
                     <a:lstStyle/>
                     <a:p>
+                      <a:r>
+                        <a:rPr kumimoji="1" lang="en-US" altLang="ja-JP" dirty="0" smtClean="0"/>
+                        <a:t>1</a:t>
+                      </a:r>
                       <a:endParaRPr kumimoji="1" lang="ja-JP" altLang="en-US" dirty="0"/>
                     </a:p>
                   </a:txBody>
@@ -20243,6 +19714,10 @@
                     <a:bodyPr/>
                     <a:lstStyle/>
                     <a:p>
+                      <a:r>
+                        <a:rPr kumimoji="1" lang="ja-JP" altLang="en-US" dirty="0" smtClean="0"/>
+                        <a:t>自分の種類</a:t>
+                      </a:r>
                       <a:endParaRPr kumimoji="1" lang="ja-JP" altLang="en-US" dirty="0"/>
                     </a:p>
                   </a:txBody>
@@ -20253,6 +19728,10 @@
                     <a:bodyPr/>
                     <a:lstStyle/>
                     <a:p>
+                      <a:r>
+                        <a:rPr kumimoji="1" lang="en-US" altLang="ja-JP" dirty="0" smtClean="0"/>
+                        <a:t>1</a:t>
+                      </a:r>
                       <a:endParaRPr kumimoji="1" lang="ja-JP" altLang="en-US" dirty="0"/>
                     </a:p>
                   </a:txBody>
@@ -20263,6 +19742,10 @@
                     <a:bodyPr/>
                     <a:lstStyle/>
                     <a:p>
+                      <a:r>
+                        <a:rPr kumimoji="1" lang="en-US" altLang="ja-JP" dirty="0" smtClean="0"/>
+                        <a:t>1</a:t>
+                      </a:r>
                       <a:endParaRPr kumimoji="1" lang="ja-JP" altLang="en-US" dirty="0"/>
                     </a:p>
                   </a:txBody>
@@ -20273,6 +19756,10 @@
                     <a:bodyPr/>
                     <a:lstStyle/>
                     <a:p>
+                      <a:r>
+                        <a:rPr kumimoji="1" lang="en-US" altLang="ja-JP" dirty="0" smtClean="0"/>
+                        <a:t>1</a:t>
+                      </a:r>
                       <a:endParaRPr kumimoji="1" lang="ja-JP" altLang="en-US" dirty="0"/>
                     </a:p>
                   </a:txBody>
@@ -20323,6 +19810,10 @@
                     <a:bodyPr/>
                     <a:lstStyle/>
                     <a:p>
+                      <a:r>
+                        <a:rPr kumimoji="1" lang="ja-JP" altLang="en-US" dirty="0" smtClean="0"/>
+                        <a:t>表示するラベル</a:t>
+                      </a:r>
                       <a:endParaRPr kumimoji="1" lang="ja-JP" altLang="en-US" dirty="0"/>
                     </a:p>
                   </a:txBody>
@@ -20333,6 +19824,10 @@
                     <a:bodyPr/>
                     <a:lstStyle/>
                     <a:p>
+                      <a:r>
+                        <a:rPr kumimoji="1" lang="en-US" altLang="ja-JP" dirty="0" smtClean="0"/>
+                        <a:t>1</a:t>
+                      </a:r>
                       <a:endParaRPr kumimoji="1" lang="ja-JP" altLang="en-US" dirty="0"/>
                     </a:p>
                   </a:txBody>
@@ -20343,6 +19838,10 @@
                     <a:bodyPr/>
                     <a:lstStyle/>
                     <a:p>
+                      <a:r>
+                        <a:rPr kumimoji="1" lang="en-US" altLang="ja-JP" dirty="0" smtClean="0"/>
+                        <a:t>1</a:t>
+                      </a:r>
                       <a:endParaRPr kumimoji="1" lang="ja-JP" altLang="en-US" dirty="0"/>
                     </a:p>
                   </a:txBody>
@@ -20353,6 +19852,10 @@
                     <a:bodyPr/>
                     <a:lstStyle/>
                     <a:p>
+                      <a:r>
+                        <a:rPr kumimoji="1" lang="en-US" altLang="ja-JP" dirty="0" smtClean="0"/>
+                        <a:t>1</a:t>
+                      </a:r>
                       <a:endParaRPr kumimoji="1" lang="ja-JP" altLang="en-US" dirty="0"/>
                     </a:p>
                   </a:txBody>
@@ -20403,6 +19906,14 @@
                     <a:bodyPr/>
                     <a:lstStyle/>
                     <a:p>
+                      <a:r>
+                        <a:rPr kumimoji="1" lang="en-US" altLang="ja-JP" dirty="0" smtClean="0"/>
+                        <a:t>X</a:t>
+                      </a:r>
+                      <a:r>
+                        <a:rPr kumimoji="1" lang="ja-JP" altLang="en-US" dirty="0" smtClean="0"/>
+                        <a:t>座標</a:t>
+                      </a:r>
                       <a:endParaRPr kumimoji="1" lang="ja-JP" altLang="en-US" dirty="0"/>
                     </a:p>
                   </a:txBody>
@@ -20413,6 +19924,10 @@
                     <a:bodyPr/>
                     <a:lstStyle/>
                     <a:p>
+                      <a:r>
+                        <a:rPr kumimoji="1" lang="en-US" altLang="ja-JP" dirty="0" smtClean="0"/>
+                        <a:t>1</a:t>
+                      </a:r>
                       <a:endParaRPr kumimoji="1" lang="ja-JP" altLang="en-US" dirty="0"/>
                     </a:p>
                   </a:txBody>
@@ -20423,6 +19938,10 @@
                     <a:bodyPr/>
                     <a:lstStyle/>
                     <a:p>
+                      <a:r>
+                        <a:rPr kumimoji="1" lang="en-US" altLang="ja-JP" dirty="0" smtClean="0"/>
+                        <a:t>1</a:t>
+                      </a:r>
                       <a:endParaRPr kumimoji="1" lang="ja-JP" altLang="en-US" dirty="0"/>
                     </a:p>
                   </a:txBody>
@@ -20433,6 +19952,10 @@
                     <a:bodyPr/>
                     <a:lstStyle/>
                     <a:p>
+                      <a:r>
+                        <a:rPr kumimoji="1" lang="en-US" altLang="ja-JP" dirty="0" smtClean="0"/>
+                        <a:t>1</a:t>
+                      </a:r>
                       <a:endParaRPr kumimoji="1" lang="ja-JP" altLang="en-US" dirty="0"/>
                     </a:p>
                   </a:txBody>
@@ -20483,6 +20006,14 @@
                     <a:bodyPr/>
                     <a:lstStyle/>
                     <a:p>
+                      <a:r>
+                        <a:rPr kumimoji="1" lang="en-US" altLang="ja-JP" dirty="0" smtClean="0"/>
+                        <a:t>Y</a:t>
+                      </a:r>
+                      <a:r>
+                        <a:rPr kumimoji="1" lang="ja-JP" altLang="en-US" dirty="0" smtClean="0"/>
+                        <a:t>座標</a:t>
+                      </a:r>
                       <a:endParaRPr kumimoji="1" lang="ja-JP" altLang="en-US" dirty="0"/>
                     </a:p>
                   </a:txBody>
@@ -20493,6 +20024,10 @@
                     <a:bodyPr/>
                     <a:lstStyle/>
                     <a:p>
+                      <a:r>
+                        <a:rPr kumimoji="1" lang="en-US" altLang="ja-JP" dirty="0" smtClean="0"/>
+                        <a:t>1</a:t>
+                      </a:r>
                       <a:endParaRPr kumimoji="1" lang="ja-JP" altLang="en-US" dirty="0"/>
                     </a:p>
                   </a:txBody>
@@ -20503,6 +20038,10 @@
                     <a:bodyPr/>
                     <a:lstStyle/>
                     <a:p>
+                      <a:r>
+                        <a:rPr kumimoji="1" lang="en-US" altLang="ja-JP" dirty="0" smtClean="0"/>
+                        <a:t>1</a:t>
+                      </a:r>
                       <a:endParaRPr kumimoji="1" lang="ja-JP" altLang="en-US" dirty="0"/>
                     </a:p>
                   </a:txBody>
@@ -20513,6 +20052,10 @@
                     <a:bodyPr/>
                     <a:lstStyle/>
                     <a:p>
+                      <a:r>
+                        <a:rPr kumimoji="1" lang="en-US" altLang="ja-JP" dirty="0" smtClean="0"/>
+                        <a:t>1</a:t>
+                      </a:r>
                       <a:endParaRPr kumimoji="1" lang="ja-JP" altLang="en-US" dirty="0"/>
                     </a:p>
                   </a:txBody>
@@ -20563,6 +20106,14 @@
                     <a:bodyPr/>
                     <a:lstStyle/>
                     <a:p>
+                      <a:r>
+                        <a:rPr kumimoji="1" lang="en-US" altLang="ja-JP" dirty="0" smtClean="0"/>
+                        <a:t>X</a:t>
+                      </a:r>
+                      <a:r>
+                        <a:rPr kumimoji="1" lang="ja-JP" altLang="en-US" dirty="0" smtClean="0"/>
+                        <a:t>速度</a:t>
+                      </a:r>
                       <a:endParaRPr kumimoji="1" lang="ja-JP" altLang="en-US" dirty="0"/>
                     </a:p>
                   </a:txBody>
@@ -20573,6 +20124,10 @@
                     <a:bodyPr/>
                     <a:lstStyle/>
                     <a:p>
+                      <a:r>
+                        <a:rPr kumimoji="1" lang="en-US" altLang="ja-JP" dirty="0" smtClean="0"/>
+                        <a:t>1</a:t>
+                      </a:r>
                       <a:endParaRPr kumimoji="1" lang="ja-JP" altLang="en-US" dirty="0"/>
                     </a:p>
                   </a:txBody>
@@ -20583,6 +20138,10 @@
                     <a:bodyPr/>
                     <a:lstStyle/>
                     <a:p>
+                      <a:r>
+                        <a:rPr kumimoji="1" lang="en-US" altLang="ja-JP" dirty="0" smtClean="0"/>
+                        <a:t>1</a:t>
+                      </a:r>
                       <a:endParaRPr kumimoji="1" lang="ja-JP" altLang="en-US" dirty="0"/>
                     </a:p>
                   </a:txBody>
@@ -20593,6 +20152,10 @@
                     <a:bodyPr/>
                     <a:lstStyle/>
                     <a:p>
+                      <a:r>
+                        <a:rPr kumimoji="1" lang="en-US" altLang="ja-JP" dirty="0" smtClean="0"/>
+                        <a:t>1</a:t>
+                      </a:r>
                       <a:endParaRPr kumimoji="1" lang="ja-JP" altLang="en-US" dirty="0"/>
                     </a:p>
                   </a:txBody>
@@ -20643,6 +20206,14 @@
                     <a:bodyPr/>
                     <a:lstStyle/>
                     <a:p>
+                      <a:r>
+                        <a:rPr kumimoji="1" lang="en-US" altLang="ja-JP" dirty="0" smtClean="0"/>
+                        <a:t>Y</a:t>
+                      </a:r>
+                      <a:r>
+                        <a:rPr kumimoji="1" lang="ja-JP" altLang="en-US" dirty="0" smtClean="0"/>
+                        <a:t>速度</a:t>
+                      </a:r>
                       <a:endParaRPr kumimoji="1" lang="ja-JP" altLang="en-US" dirty="0"/>
                     </a:p>
                   </a:txBody>
@@ -20653,6 +20224,10 @@
                     <a:bodyPr/>
                     <a:lstStyle/>
                     <a:p>
+                      <a:r>
+                        <a:rPr kumimoji="1" lang="en-US" altLang="ja-JP" dirty="0" smtClean="0"/>
+                        <a:t>1</a:t>
+                      </a:r>
                       <a:endParaRPr kumimoji="1" lang="ja-JP" altLang="en-US" dirty="0"/>
                     </a:p>
                   </a:txBody>
@@ -20663,6 +20238,10 @@
                     <a:bodyPr/>
                     <a:lstStyle/>
                     <a:p>
+                      <a:r>
+                        <a:rPr kumimoji="1" lang="en-US" altLang="ja-JP" dirty="0" smtClean="0"/>
+                        <a:t>1</a:t>
+                      </a:r>
                       <a:endParaRPr kumimoji="1" lang="ja-JP" altLang="en-US" dirty="0"/>
                     </a:p>
                   </a:txBody>
@@ -20673,6 +20252,10 @@
                     <a:bodyPr/>
                     <a:lstStyle/>
                     <a:p>
+                      <a:r>
+                        <a:rPr kumimoji="1" lang="en-US" altLang="ja-JP" dirty="0" smtClean="0"/>
+                        <a:t>1</a:t>
+                      </a:r>
                       <a:endParaRPr kumimoji="1" lang="ja-JP" altLang="en-US" dirty="0"/>
                     </a:p>
                   </a:txBody>
@@ -20723,6 +20306,10 @@
                     <a:bodyPr/>
                     <a:lstStyle/>
                     <a:p>
+                      <a:r>
+                        <a:rPr kumimoji="1" lang="ja-JP" altLang="en-US" dirty="0" smtClean="0"/>
+                        <a:t>乱数を生成</a:t>
+                      </a:r>
                       <a:endParaRPr kumimoji="1" lang="ja-JP" altLang="en-US" dirty="0"/>
                     </a:p>
                   </a:txBody>
@@ -20733,6 +20320,10 @@
                     <a:bodyPr/>
                     <a:lstStyle/>
                     <a:p>
+                      <a:r>
+                        <a:rPr kumimoji="1" lang="en-US" altLang="ja-JP" dirty="0" smtClean="0"/>
+                        <a:t>1</a:t>
+                      </a:r>
                       <a:endParaRPr kumimoji="1" lang="ja-JP" altLang="en-US" dirty="0"/>
                     </a:p>
                   </a:txBody>
@@ -20743,6 +20334,10 @@
                     <a:bodyPr/>
                     <a:lstStyle/>
                     <a:p>
+                      <a:r>
+                        <a:rPr kumimoji="1" lang="en-US" altLang="ja-JP" dirty="0" smtClean="0"/>
+                        <a:t>1</a:t>
+                      </a:r>
                       <a:endParaRPr kumimoji="1" lang="ja-JP" altLang="en-US" dirty="0"/>
                     </a:p>
                   </a:txBody>
@@ -20753,6 +20348,10 @@
                     <a:bodyPr/>
                     <a:lstStyle/>
                     <a:p>
+                      <a:r>
+                        <a:rPr kumimoji="1" lang="en-US" altLang="ja-JP" dirty="0" smtClean="0"/>
+                        <a:t>1</a:t>
+                      </a:r>
                       <a:endParaRPr kumimoji="1" lang="ja-JP" altLang="en-US" dirty="0"/>
                     </a:p>
                   </a:txBody>
@@ -20763,6 +20362,10 @@
                     <a:bodyPr/>
                     <a:lstStyle/>
                     <a:p>
+                      <a:r>
+                        <a:rPr kumimoji="1" lang="en-US" altLang="ja-JP" dirty="0" smtClean="0"/>
+                        <a:t>1</a:t>
+                      </a:r>
                       <a:endParaRPr kumimoji="1" lang="ja-JP" altLang="en-US" dirty="0"/>
                     </a:p>
                   </a:txBody>
@@ -20811,6 +20414,10 @@
                     <a:bodyPr/>
                     <a:lstStyle/>
                     <a:p>
+                      <a:r>
+                        <a:rPr kumimoji="1" lang="ja-JP" altLang="en-US" dirty="0" smtClean="0"/>
+                        <a:t>重力加速度</a:t>
+                      </a:r>
                       <a:endParaRPr kumimoji="1" lang="ja-JP" altLang="en-US" dirty="0"/>
                     </a:p>
                   </a:txBody>
@@ -20831,6 +20438,10 @@
                     <a:bodyPr/>
                     <a:lstStyle/>
                     <a:p>
+                      <a:r>
+                        <a:rPr kumimoji="1" lang="en-US" altLang="ja-JP" dirty="0" smtClean="0"/>
+                        <a:t>1</a:t>
+                      </a:r>
                       <a:endParaRPr kumimoji="1" lang="ja-JP" altLang="en-US" dirty="0"/>
                     </a:p>
                   </a:txBody>
@@ -20891,6 +20502,10 @@
                     <a:bodyPr/>
                     <a:lstStyle/>
                     <a:p>
+                      <a:r>
+                        <a:rPr kumimoji="1" lang="ja-JP" altLang="en-US" dirty="0" smtClean="0"/>
+                        <a:t>中心への加速度</a:t>
+                      </a:r>
                       <a:endParaRPr kumimoji="1" lang="ja-JP" altLang="en-US" dirty="0"/>
                     </a:p>
                   </a:txBody>
@@ -20921,6 +20536,10 @@
                     <a:bodyPr/>
                     <a:lstStyle/>
                     <a:p>
+                      <a:r>
+                        <a:rPr kumimoji="1" lang="en-US" altLang="ja-JP" dirty="0" smtClean="0"/>
+                        <a:t>1</a:t>
+                      </a:r>
                       <a:endParaRPr kumimoji="1" lang="ja-JP" altLang="en-US" dirty="0"/>
                     </a:p>
                   </a:txBody>
@@ -20971,6 +20590,10 @@
                     <a:bodyPr/>
                     <a:lstStyle/>
                     <a:p>
+                      <a:r>
+                        <a:rPr kumimoji="1" lang="ja-JP" altLang="en-US" dirty="0" smtClean="0"/>
+                        <a:t>最高速度</a:t>
+                      </a:r>
                       <a:endParaRPr kumimoji="1" lang="ja-JP" altLang="en-US" dirty="0"/>
                     </a:p>
                   </a:txBody>
@@ -20981,6 +20604,10 @@
                     <a:bodyPr/>
                     <a:lstStyle/>
                     <a:p>
+                      <a:r>
+                        <a:rPr kumimoji="1" lang="en-US" altLang="ja-JP" dirty="0" smtClean="0"/>
+                        <a:t>1</a:t>
+                      </a:r>
                       <a:endParaRPr kumimoji="1" lang="ja-JP" altLang="en-US" dirty="0"/>
                     </a:p>
                   </a:txBody>
@@ -20991,6 +20618,10 @@
                     <a:bodyPr/>
                     <a:lstStyle/>
                     <a:p>
+                      <a:r>
+                        <a:rPr kumimoji="1" lang="en-US" altLang="ja-JP" dirty="0" smtClean="0"/>
+                        <a:t>1</a:t>
+                      </a:r>
                       <a:endParaRPr kumimoji="1" lang="ja-JP" altLang="en-US" dirty="0"/>
                     </a:p>
                   </a:txBody>
@@ -21001,6 +20632,10 @@
                     <a:bodyPr/>
                     <a:lstStyle/>
                     <a:p>
+                      <a:r>
+                        <a:rPr kumimoji="1" lang="en-US" altLang="ja-JP" dirty="0" smtClean="0"/>
+                        <a:t>1</a:t>
+                      </a:r>
                       <a:endParaRPr kumimoji="1" lang="ja-JP" altLang="en-US" dirty="0"/>
                     </a:p>
                   </a:txBody>
@@ -21092,7 +20727,7 @@
             <p:ph idx="1"/>
             <p:extLst>
               <p:ext uri="{D42A27DB-BD31-4B8C-83A1-F6EECF244321}">
-                <p14:modId xmlns:p14="http://schemas.microsoft.com/office/powerpoint/2010/main" val="2740670390"/>
+                <p14:modId xmlns:p14="http://schemas.microsoft.com/office/powerpoint/2010/main" val="1962676233"/>
               </p:ext>
             </p:extLst>
           </p:nvPr>
@@ -21378,6 +21013,10 @@
                     <a:bodyPr/>
                     <a:lstStyle/>
                     <a:p>
+                      <a:r>
+                        <a:rPr kumimoji="1" lang="en-US" altLang="ja-JP" dirty="0" smtClean="0"/>
+                        <a:t>1</a:t>
+                      </a:r>
                       <a:endParaRPr kumimoji="1" lang="ja-JP" altLang="en-US" dirty="0"/>
                     </a:p>
                   </a:txBody>
@@ -21388,6 +21027,10 @@
                     <a:bodyPr/>
                     <a:lstStyle/>
                     <a:p>
+                      <a:r>
+                        <a:rPr kumimoji="1" lang="en-US" altLang="ja-JP" dirty="0" smtClean="0"/>
+                        <a:t>1</a:t>
+                      </a:r>
                       <a:endParaRPr kumimoji="1" lang="ja-JP" altLang="en-US" dirty="0"/>
                     </a:p>
                   </a:txBody>
@@ -21398,6 +21041,10 @@
                     <a:bodyPr/>
                     <a:lstStyle/>
                     <a:p>
+                      <a:r>
+                        <a:rPr kumimoji="1" lang="en-US" altLang="ja-JP" dirty="0" smtClean="0"/>
+                        <a:t>1</a:t>
+                      </a:r>
                       <a:endParaRPr kumimoji="1" lang="ja-JP" altLang="en-US" dirty="0"/>
                     </a:p>
                   </a:txBody>
@@ -21448,6 +21095,10 @@
                     <a:bodyPr/>
                     <a:lstStyle/>
                     <a:p>
+                      <a:r>
+                        <a:rPr kumimoji="1" lang="en-US" altLang="ja-JP" dirty="0" smtClean="0"/>
+                        <a:t>1</a:t>
+                      </a:r>
                       <a:endParaRPr kumimoji="1" lang="ja-JP" altLang="en-US" dirty="0"/>
                     </a:p>
                   </a:txBody>
@@ -21458,6 +21109,10 @@
                     <a:bodyPr/>
                     <a:lstStyle/>
                     <a:p>
+                      <a:r>
+                        <a:rPr kumimoji="1" lang="en-US" altLang="ja-JP" dirty="0" smtClean="0"/>
+                        <a:t>1</a:t>
+                      </a:r>
                       <a:endParaRPr kumimoji="1" lang="ja-JP" altLang="en-US" dirty="0"/>
                     </a:p>
                   </a:txBody>
@@ -21526,6 +21181,10 @@
                     <a:bodyPr/>
                     <a:lstStyle/>
                     <a:p>
+                      <a:r>
+                        <a:rPr kumimoji="1" lang="en-US" altLang="ja-JP" dirty="0" smtClean="0"/>
+                        <a:t>1</a:t>
+                      </a:r>
                       <a:endParaRPr kumimoji="1" lang="ja-JP" altLang="en-US" dirty="0"/>
                     </a:p>
                   </a:txBody>
@@ -21536,6 +21195,10 @@
                     <a:bodyPr/>
                     <a:lstStyle/>
                     <a:p>
+                      <a:r>
+                        <a:rPr kumimoji="1" lang="en-US" altLang="ja-JP" dirty="0" smtClean="0"/>
+                        <a:t>1</a:t>
+                      </a:r>
                       <a:endParaRPr kumimoji="1" lang="ja-JP" altLang="en-US" dirty="0"/>
                     </a:p>
                   </a:txBody>
@@ -21546,6 +21209,10 @@
                     <a:bodyPr/>
                     <a:lstStyle/>
                     <a:p>
+                      <a:r>
+                        <a:rPr kumimoji="1" lang="en-US" altLang="ja-JP" dirty="0" smtClean="0"/>
+                        <a:t>1</a:t>
+                      </a:r>
                       <a:endParaRPr kumimoji="1" lang="ja-JP" altLang="en-US" dirty="0"/>
                     </a:p>
                   </a:txBody>
@@ -21596,6 +21263,10 @@
                     <a:bodyPr/>
                     <a:lstStyle/>
                     <a:p>
+                      <a:r>
+                        <a:rPr kumimoji="1" lang="en-US" altLang="ja-JP" dirty="0" smtClean="0"/>
+                        <a:t>1</a:t>
+                      </a:r>
                       <a:endParaRPr kumimoji="1" lang="ja-JP" altLang="en-US" dirty="0"/>
                     </a:p>
                   </a:txBody>
@@ -21692,6 +21363,10 @@
                     <a:bodyPr/>
                     <a:lstStyle/>
                     <a:p>
+                      <a:r>
+                        <a:rPr kumimoji="1" lang="en-US" altLang="ja-JP" dirty="0" smtClean="0"/>
+                        <a:t>1</a:t>
+                      </a:r>
                       <a:endParaRPr kumimoji="1" lang="ja-JP" altLang="en-US" dirty="0"/>
                     </a:p>
                   </a:txBody>
@@ -21770,6 +21445,10 @@
                     <a:bodyPr/>
                     <a:lstStyle/>
                     <a:p>
+                      <a:r>
+                        <a:rPr kumimoji="1" lang="en-US" altLang="ja-JP" dirty="0" smtClean="0"/>
+                        <a:t>1</a:t>
+                      </a:r>
                       <a:endParaRPr kumimoji="1" lang="ja-JP" altLang="en-US" dirty="0"/>
                     </a:p>
                   </a:txBody>
@@ -21862,6 +21541,10 @@
                     <a:bodyPr/>
                     <a:lstStyle/>
                     <a:p>
+                      <a:r>
+                        <a:rPr kumimoji="1" lang="en-US" altLang="ja-JP" dirty="0" smtClean="0"/>
+                        <a:t>1</a:t>
+                      </a:r>
                       <a:endParaRPr kumimoji="1" lang="ja-JP" altLang="en-US" dirty="0"/>
                     </a:p>
                   </a:txBody>
@@ -21944,6 +21627,10 @@
                     <a:bodyPr/>
                     <a:lstStyle/>
                     <a:p>
+                      <a:r>
+                        <a:rPr kumimoji="1" lang="en-US" altLang="ja-JP" dirty="0" smtClean="0"/>
+                        <a:t>1</a:t>
+                      </a:r>
                       <a:endParaRPr kumimoji="1" lang="ja-JP" altLang="en-US" dirty="0"/>
                     </a:p>
                   </a:txBody>
@@ -21994,6 +21681,10 @@
                     <a:bodyPr/>
                     <a:lstStyle/>
                     <a:p>
+                      <a:r>
+                        <a:rPr kumimoji="1" lang="en-US" altLang="ja-JP" dirty="0" smtClean="0"/>
+                        <a:t>1</a:t>
+                      </a:r>
                       <a:endParaRPr kumimoji="1" lang="ja-JP" altLang="en-US" dirty="0"/>
                     </a:p>
                   </a:txBody>
@@ -22024,6 +21715,10 @@
                     <a:bodyPr/>
                     <a:lstStyle/>
                     <a:p>
+                      <a:r>
+                        <a:rPr kumimoji="1" lang="en-US" altLang="ja-JP" dirty="0" smtClean="0"/>
+                        <a:t>1</a:t>
+                      </a:r>
                       <a:endParaRPr kumimoji="1" lang="ja-JP" altLang="en-US" dirty="0"/>
                     </a:p>
                   </a:txBody>
@@ -22090,6 +21785,10 @@
                     <a:bodyPr/>
                     <a:lstStyle/>
                     <a:p>
+                      <a:r>
+                        <a:rPr kumimoji="1" lang="en-US" altLang="ja-JP" dirty="0" smtClean="0"/>
+                        <a:t>1</a:t>
+                      </a:r>
                       <a:endParaRPr kumimoji="1" lang="ja-JP" altLang="en-US" dirty="0"/>
                     </a:p>
                   </a:txBody>
@@ -22110,6 +21809,10 @@
                     <a:bodyPr/>
                     <a:lstStyle/>
                     <a:p>
+                      <a:r>
+                        <a:rPr kumimoji="1" lang="en-US" altLang="ja-JP" dirty="0" smtClean="0"/>
+                        <a:t>1</a:t>
+                      </a:r>
                       <a:endParaRPr kumimoji="1" lang="ja-JP" altLang="en-US" dirty="0"/>
                     </a:p>
                   </a:txBody>
@@ -22170,6 +21873,10 @@
                     <a:bodyPr/>
                     <a:lstStyle/>
                     <a:p>
+                      <a:r>
+                        <a:rPr kumimoji="1" lang="en-US" altLang="ja-JP" dirty="0" smtClean="0"/>
+                        <a:t>1</a:t>
+                      </a:r>
                       <a:endParaRPr kumimoji="1" lang="ja-JP" altLang="en-US" dirty="0"/>
                     </a:p>
                   </a:txBody>
@@ -22180,6 +21887,10 @@
                     <a:bodyPr/>
                     <a:lstStyle/>
                     <a:p>
+                      <a:r>
+                        <a:rPr kumimoji="1" lang="en-US" altLang="ja-JP" dirty="0" smtClean="0"/>
+                        <a:t>1</a:t>
+                      </a:r>
                       <a:endParaRPr kumimoji="1" lang="ja-JP" altLang="en-US" dirty="0"/>
                     </a:p>
                   </a:txBody>
@@ -22220,6 +21931,10 @@
                     <a:bodyPr/>
                     <a:lstStyle/>
                     <a:p>
+                      <a:r>
+                        <a:rPr kumimoji="1" lang="en-US" altLang="ja-JP" dirty="0" smtClean="0"/>
+                        <a:t>1</a:t>
+                      </a:r>
                       <a:endParaRPr kumimoji="1" lang="ja-JP" altLang="en-US" dirty="0"/>
                     </a:p>
                   </a:txBody>
@@ -22230,6 +21945,10 @@
                     <a:bodyPr/>
                     <a:lstStyle/>
                     <a:p>
+                      <a:r>
+                        <a:rPr kumimoji="1" lang="en-US" altLang="ja-JP" dirty="0" smtClean="0"/>
+                        <a:t>1</a:t>
+                      </a:r>
                       <a:endParaRPr kumimoji="1" lang="ja-JP" altLang="en-US" dirty="0"/>
                     </a:p>
                   </a:txBody>
@@ -22240,6 +21959,10 @@
                     <a:bodyPr/>
                     <a:lstStyle/>
                     <a:p>
+                      <a:r>
+                        <a:rPr kumimoji="1" lang="en-US" altLang="ja-JP" dirty="0" smtClean="0"/>
+                        <a:t>1</a:t>
+                      </a:r>
                       <a:endParaRPr kumimoji="1" lang="ja-JP" altLang="en-US" dirty="0"/>
                     </a:p>
                   </a:txBody>
@@ -22317,11 +22040,7 @@
             </a:r>
             <a:r>
               <a:rPr kumimoji="1" lang="ja-JP" altLang="en-US" dirty="0" smtClean="0"/>
-              <a:t>直線移動キャラクターを</a:t>
-            </a:r>
-            <a:r>
-              <a:rPr kumimoji="1" lang="ja-JP" altLang="en-US" dirty="0" smtClean="0"/>
-              <a:t>クラス化</a:t>
+              <a:t>直線移動キャラクターをクラス化</a:t>
             </a:r>
             <a:r>
               <a:rPr kumimoji="1" lang="en-US" altLang="ja-JP" dirty="0" smtClean="0"/>
@@ -22444,11 +22163,7 @@
           <a:p>
             <a:r>
               <a:rPr lang="en-US" altLang="ja-JP" dirty="0" smtClean="0"/>
-              <a:t>List</a:t>
-            </a:r>
-            <a:r>
-              <a:rPr lang="en-US" altLang="ja-JP" dirty="0" smtClean="0"/>
-              <a:t>&lt;&gt;</a:t>
+              <a:t>List&lt;&gt;</a:t>
             </a:r>
             <a:r>
               <a:rPr lang="ja-JP" altLang="en-US" dirty="0" smtClean="0"/>
@@ -22571,11 +22286,7 @@
             </a:r>
             <a:r>
               <a:rPr kumimoji="1" lang="ja-JP" altLang="en-US" dirty="0" smtClean="0"/>
-              <a:t>直線移動キャラクターを</a:t>
-            </a:r>
-            <a:r>
-              <a:rPr kumimoji="1" lang="ja-JP" altLang="en-US" dirty="0" smtClean="0"/>
-              <a:t>クラス化</a:t>
+              <a:t>直線移動キャラクターをクラス化</a:t>
             </a:r>
             <a:r>
               <a:rPr kumimoji="1" lang="en-US" altLang="ja-JP" dirty="0" smtClean="0"/>
@@ -22819,11 +22530,7 @@
             </a:r>
             <a:r>
               <a:rPr kumimoji="1" lang="ja-JP" altLang="en-US" dirty="0" smtClean="0"/>
-              <a:t>直線移動キャラクターを</a:t>
-            </a:r>
-            <a:r>
-              <a:rPr kumimoji="1" lang="ja-JP" altLang="en-US" dirty="0" smtClean="0"/>
-              <a:t>クラス化</a:t>
+              <a:t>直線移動キャラクターをクラス化</a:t>
             </a:r>
             <a:r>
               <a:rPr kumimoji="1" lang="en-US" altLang="ja-JP" dirty="0" smtClean="0"/>
@@ -23172,11 +22879,7 @@
             </a:r>
             <a:r>
               <a:rPr kumimoji="1" lang="ja-JP" altLang="en-US" dirty="0" smtClean="0"/>
-              <a:t>直線移動キャラクターを</a:t>
-            </a:r>
-            <a:r>
-              <a:rPr kumimoji="1" lang="ja-JP" altLang="en-US" dirty="0" smtClean="0"/>
-              <a:t>クラス化</a:t>
+              <a:t>直線移動キャラクターをクラス化</a:t>
             </a:r>
             <a:r>
               <a:rPr kumimoji="1" lang="en-US" altLang="ja-JP" dirty="0" smtClean="0"/>
